--- a/src/Dev Containers and GitHub Codespaces Lunch and Learn.pptx
+++ b/src/Dev Containers and GitHub Codespaces Lunch and Learn.pptx
@@ -5,37 +5,38 @@
     <p:sldMasterId id="2147483648" r:id="rId4"/>
   </p:sldMasterIdLst>
   <p:notesMasterIdLst>
-    <p:notesMasterId r:id="rId30"/>
+    <p:notesMasterId r:id="rId31"/>
   </p:notesMasterIdLst>
   <p:handoutMasterIdLst>
-    <p:handoutMasterId r:id="rId31"/>
+    <p:handoutMasterId r:id="rId32"/>
   </p:handoutMasterIdLst>
   <p:sldIdLst>
     <p:sldId id="256" r:id="rId5"/>
     <p:sldId id="257" r:id="rId6"/>
-    <p:sldId id="292" r:id="rId7"/>
-    <p:sldId id="286" r:id="rId8"/>
-    <p:sldId id="289" r:id="rId9"/>
-    <p:sldId id="291" r:id="rId10"/>
-    <p:sldId id="293" r:id="rId11"/>
-    <p:sldId id="287" r:id="rId12"/>
-    <p:sldId id="290" r:id="rId13"/>
-    <p:sldId id="295" r:id="rId14"/>
-    <p:sldId id="303" r:id="rId15"/>
-    <p:sldId id="288" r:id="rId16"/>
-    <p:sldId id="297" r:id="rId17"/>
-    <p:sldId id="294" r:id="rId18"/>
-    <p:sldId id="309" r:id="rId19"/>
-    <p:sldId id="304" r:id="rId20"/>
-    <p:sldId id="296" r:id="rId21"/>
-    <p:sldId id="299" r:id="rId22"/>
-    <p:sldId id="307" r:id="rId23"/>
-    <p:sldId id="308" r:id="rId24"/>
-    <p:sldId id="298" r:id="rId25"/>
-    <p:sldId id="306" r:id="rId26"/>
-    <p:sldId id="300" r:id="rId27"/>
-    <p:sldId id="302" r:id="rId28"/>
-    <p:sldId id="301" r:id="rId29"/>
+    <p:sldId id="310" r:id="rId7"/>
+    <p:sldId id="292" r:id="rId8"/>
+    <p:sldId id="286" r:id="rId9"/>
+    <p:sldId id="289" r:id="rId10"/>
+    <p:sldId id="291" r:id="rId11"/>
+    <p:sldId id="293" r:id="rId12"/>
+    <p:sldId id="287" r:id="rId13"/>
+    <p:sldId id="290" r:id="rId14"/>
+    <p:sldId id="295" r:id="rId15"/>
+    <p:sldId id="303" r:id="rId16"/>
+    <p:sldId id="288" r:id="rId17"/>
+    <p:sldId id="297" r:id="rId18"/>
+    <p:sldId id="294" r:id="rId19"/>
+    <p:sldId id="309" r:id="rId20"/>
+    <p:sldId id="304" r:id="rId21"/>
+    <p:sldId id="296" r:id="rId22"/>
+    <p:sldId id="299" r:id="rId23"/>
+    <p:sldId id="307" r:id="rId24"/>
+    <p:sldId id="308" r:id="rId25"/>
+    <p:sldId id="298" r:id="rId26"/>
+    <p:sldId id="306" r:id="rId27"/>
+    <p:sldId id="300" r:id="rId28"/>
+    <p:sldId id="302" r:id="rId29"/>
+    <p:sldId id="301" r:id="rId30"/>
   </p:sldIdLst>
   <p:sldSz cx="12192000" cy="6858000"/>
   <p:notesSz cx="6858000" cy="9144000"/>
@@ -250,7 +251,7 @@
           <a:p>
             <a:fld id="{1CA5457B-CDAE-4DEB-AEC8-C82DE2312E37}" type="datetimeFigureOut">
               <a:rPr lang="en-US" smtClean="0"/>
-              <a:t>1/23/2024</a:t>
+              <a:t>3/7/2024</a:t>
             </a:fld>
             <a:endParaRPr lang="en-US" dirty="0"/>
           </a:p>
@@ -427,7 +428,7 @@
           <a:p>
             <a:fld id="{090B78EA-28CE-41D8-9043-90E391E5F567}" type="datetimeFigureOut">
               <a:rPr lang="en-US" noProof="0" smtClean="0"/>
-              <a:t>1/23/2024</a:t>
+              <a:t>3/7/2024</a:t>
             </a:fld>
             <a:endParaRPr lang="en-US" noProof="0" dirty="0"/>
           </a:p>
@@ -738,17 +739,51 @@
           <a:bodyPr/>
           <a:lstStyle/>
           <a:p>
+            <a:pPr marL="0" marR="0" lvl="0" indent="0" algn="l" defTabSz="914400" rtl="0" eaLnBrk="1" fontAlgn="auto" latinLnBrk="0" hangingPunct="1">
+              <a:lnSpc>
+                <a:spcPct val="100000"/>
+              </a:lnSpc>
+              <a:spcBef>
+                <a:spcPts val="0"/>
+              </a:spcBef>
+              <a:spcAft>
+                <a:spcPts val="0"/>
+              </a:spcAft>
+              <a:buClrTx/>
+              <a:buSzTx/>
+              <a:buFontTx/>
+              <a:buNone/>
+              <a:tabLst/>
+              <a:defRPr/>
+            </a:pPr>
             <a:r>
               <a:rPr lang="en-US" dirty="0"/>
-              <a:t>Start recording</a:t>
+              <a:t>Start Docker Desktop so it’s running</a:t>
             </a:r>
           </a:p>
           <a:p>
+            <a:endParaRPr lang="en-US" dirty="0"/>
+          </a:p>
+          <a:p>
             <a:r>
-              <a:rPr lang="en-US"/>
+              <a:rPr lang="en-US" dirty="0"/>
+              <a:t>Start recording if necessary</a:t>
+            </a:r>
+          </a:p>
+          <a:p>
+            <a:r>
+              <a:rPr lang="en-US" dirty="0"/>
               <a:t>Introduce myself</a:t>
             </a:r>
+          </a:p>
+          <a:p>
             <a:endParaRPr lang="en-US" dirty="0"/>
+          </a:p>
+          <a:p>
+            <a:r>
+              <a:rPr lang="en-US" dirty="0"/>
+              <a:t>Presentation created in January 2024</a:t>
+            </a:r>
           </a:p>
         </p:txBody>
       </p:sp>
@@ -779,6 +814,93 @@
     <p:extLst>
       <p:ext uri="{BB962C8B-B14F-4D97-AF65-F5344CB8AC3E}">
         <p14:creationId xmlns:p14="http://schemas.microsoft.com/office/powerpoint/2010/main" val="2649019422"/>
+      </p:ext>
+    </p:extLst>
+  </p:cSld>
+  <p:clrMapOvr>
+    <a:masterClrMapping/>
+  </p:clrMapOvr>
+</p:notes>
+</file>
+
+<file path=ppt/notesSlides/notesSlide10.xml><?xml version="1.0" encoding="utf-8"?>
+<p:notes xmlns:a="http://schemas.openxmlformats.org/drawingml/2006/main" xmlns:r="http://schemas.openxmlformats.org/officeDocument/2006/relationships" xmlns:p="http://schemas.openxmlformats.org/presentationml/2006/main">
+  <p:cSld>
+    <p:spTree>
+      <p:nvGrpSpPr>
+        <p:cNvPr id="1" name=""/>
+        <p:cNvGrpSpPr/>
+        <p:nvPr/>
+      </p:nvGrpSpPr>
+      <p:grpSpPr>
+        <a:xfrm>
+          <a:off x="0" y="0"/>
+          <a:ext cx="0" cy="0"/>
+          <a:chOff x="0" y="0"/>
+          <a:chExt cx="0" cy="0"/>
+        </a:xfrm>
+      </p:grpSpPr>
+      <p:sp>
+        <p:nvSpPr>
+          <p:cNvPr id="2" name="Slide Image Placeholder 1"/>
+          <p:cNvSpPr>
+            <a:spLocks noGrp="1" noRot="1" noChangeAspect="1"/>
+          </p:cNvSpPr>
+          <p:nvPr>
+            <p:ph type="sldImg"/>
+          </p:nvPr>
+        </p:nvSpPr>
+        <p:spPr/>
+      </p:sp>
+      <p:sp>
+        <p:nvSpPr>
+          <p:cNvPr id="3" name="Notes Placeholder 2"/>
+          <p:cNvSpPr>
+            <a:spLocks noGrp="1"/>
+          </p:cNvSpPr>
+          <p:nvPr>
+            <p:ph type="body" idx="1"/>
+          </p:nvPr>
+        </p:nvSpPr>
+        <p:spPr/>
+        <p:txBody>
+          <a:bodyPr/>
+          <a:lstStyle/>
+          <a:p>
+            <a:r>
+              <a:rPr lang="en-US" dirty="0"/>
+              <a:t>Remind audience to fill out the follow-up survey if sending one</a:t>
+            </a:r>
+          </a:p>
+        </p:txBody>
+      </p:sp>
+      <p:sp>
+        <p:nvSpPr>
+          <p:cNvPr id="4" name="Slide Number Placeholder 3"/>
+          <p:cNvSpPr>
+            <a:spLocks noGrp="1"/>
+          </p:cNvSpPr>
+          <p:nvPr>
+            <p:ph type="sldNum" sz="quarter" idx="5"/>
+          </p:nvPr>
+        </p:nvSpPr>
+        <p:spPr/>
+        <p:txBody>
+          <a:bodyPr/>
+          <a:lstStyle/>
+          <a:p>
+            <a:fld id="{1734D747-9380-41EE-9946-EC9EC0CA5D1E}" type="slidenum">
+              <a:rPr lang="en-US" noProof="0" smtClean="0"/>
+              <a:t>26</a:t>
+            </a:fld>
+            <a:endParaRPr lang="en-US" noProof="0" dirty="0"/>
+          </a:p>
+        </p:txBody>
+      </p:sp>
+    </p:spTree>
+    <p:extLst>
+      <p:ext uri="{BB962C8B-B14F-4D97-AF65-F5344CB8AC3E}">
+        <p14:creationId xmlns:p14="http://schemas.microsoft.com/office/powerpoint/2010/main" val="1463004608"/>
       </p:ext>
     </p:extLst>
   </p:cSld>
@@ -846,25 +968,25 @@
           <a:p>
             <a:r>
               <a:rPr lang="en-US" dirty="0"/>
-              <a:t>Never heard of them</a:t>
+              <a:t>- Never heard of them</a:t>
             </a:r>
           </a:p>
           <a:p>
             <a:r>
               <a:rPr lang="en-US" dirty="0"/>
-              <a:t>Heard of the term and have an idea of what they are</a:t>
+              <a:t>- Heard of the term and have an idea of what they are</a:t>
             </a:r>
           </a:p>
           <a:p>
             <a:r>
               <a:rPr lang="en-US" dirty="0"/>
-              <a:t>Used them a few times</a:t>
+              <a:t>- Used them a few times</a:t>
             </a:r>
           </a:p>
           <a:p>
             <a:r>
               <a:rPr lang="en-US" dirty="0"/>
-              <a:t>I'm an expert. I only joined to make sure Dan gives accurate info</a:t>
+              <a:t>- I'm an expert. I only joined to make sure Dan gives accurate info</a:t>
             </a:r>
           </a:p>
         </p:txBody>
@@ -951,31 +1073,13 @@
           <a:p>
             <a:r>
               <a:rPr lang="en-US" dirty="0"/>
-              <a:t>- First show blog </a:t>
+              <a:t>Ask who is familiar with Docker containers, and give a brief overview.</a:t>
             </a:r>
-            <a:r>
-              <a:rPr lang="en-US" dirty="0" err="1"/>
-              <a:t>devcontainer</a:t>
-            </a:r>
+          </a:p>
+          <a:p>
             <a:r>
               <a:rPr lang="en-US" dirty="0"/>
-              <a:t> with </a:t>
-            </a:r>
-            <a:r>
-              <a:rPr lang="en-US" dirty="0" err="1"/>
-              <a:t>Dockerfile</a:t>
-            </a:r>
-            <a:r>
-              <a:rPr lang="en-US" dirty="0"/>
-              <a:t>, then updated version without </a:t>
-            </a:r>
-            <a:r>
-              <a:rPr lang="en-US" dirty="0" err="1"/>
-              <a:t>Dockerfile</a:t>
-            </a:r>
-            <a:r>
-              <a:rPr lang="en-US" dirty="0"/>
-              <a:t> and using features.</a:t>
+              <a:t>- They are like a virtual machine, except they don’t offer a GUI component; command line only.</a:t>
             </a:r>
           </a:p>
         </p:txBody>
@@ -997,7 +1101,7 @@
           <a:p>
             <a:fld id="{1734D747-9380-41EE-9946-EC9EC0CA5D1E}" type="slidenum">
               <a:rPr lang="en-US" noProof="0" smtClean="0"/>
-              <a:t>7</a:t>
+              <a:t>5</a:t>
             </a:fld>
             <a:endParaRPr lang="en-US" noProof="0" dirty="0"/>
           </a:p>
@@ -1006,7 +1110,7 @@
     </p:spTree>
     <p:extLst>
       <p:ext uri="{BB962C8B-B14F-4D97-AF65-F5344CB8AC3E}">
-        <p14:creationId xmlns:p14="http://schemas.microsoft.com/office/powerpoint/2010/main" val="46410739"/>
+        <p14:creationId xmlns:p14="http://schemas.microsoft.com/office/powerpoint/2010/main" val="434535762"/>
       </p:ext>
     </p:extLst>
   </p:cSld>
@@ -1062,136 +1166,8 @@
           <a:p>
             <a:r>
               <a:rPr lang="en-US" dirty="0"/>
-              <a:t>- Ensure Docker Desktop is running</a:t>
+              <a:t>You only use Dev Containers on your local machine, and potentially on your CI/CD system (e.g. GitHub Actions or Azure DevOps Pipelines).</a:t>
             </a:r>
-          </a:p>
-          <a:p>
-            <a:r>
-              <a:rPr lang="en-US" dirty="0"/>
-              <a:t>- Open VS Extensions and show the Dev Containers extension and Remote Development extension pack</a:t>
-            </a:r>
-          </a:p>
-          <a:p>
-            <a:r>
-              <a:rPr lang="en-US" dirty="0"/>
-              <a:t>- Open </a:t>
-            </a:r>
-            <a:r>
-              <a:rPr lang="en-US" dirty="0" err="1"/>
-              <a:t>PowerShell.tiPS</a:t>
-            </a:r>
-            <a:r>
-              <a:rPr lang="en-US" dirty="0"/>
-              <a:t> project and build project and run tests</a:t>
-            </a:r>
-          </a:p>
-          <a:p>
-            <a:r>
-              <a:rPr lang="en-US" dirty="0"/>
-              <a:t>  - Show PowerShell version in container vs local machine. $</a:t>
-            </a:r>
-            <a:r>
-              <a:rPr lang="en-US" dirty="0" err="1"/>
-              <a:t>PSVersionTable</a:t>
-            </a:r>
-            <a:endParaRPr lang="en-US" dirty="0"/>
-          </a:p>
-          <a:p>
-            <a:r>
-              <a:rPr lang="en-US" dirty="0"/>
-              <a:t>  - Show how long it takes VS Code to start up in local vs. dev container</a:t>
-            </a:r>
-          </a:p>
-          <a:p>
-            <a:r>
-              <a:rPr lang="en-US" dirty="0"/>
-              <a:t>- Create new C# Dev Container from template</a:t>
-            </a:r>
-          </a:p>
-          <a:p>
-            <a:r>
-              <a:rPr lang="en-US" dirty="0"/>
-              <a:t>  - dotnet new console</a:t>
-            </a:r>
-          </a:p>
-          <a:p>
-            <a:r>
-              <a:rPr lang="en-US" dirty="0"/>
-              <a:t>  - dotnet build</a:t>
-            </a:r>
-          </a:p>
-          <a:p>
-            <a:r>
-              <a:rPr lang="en-US" dirty="0"/>
-              <a:t>  - dotnet run</a:t>
-            </a:r>
-          </a:p>
-          <a:p>
-            <a:r>
-              <a:rPr lang="en-US" dirty="0"/>
-              <a:t>- Show that files only exist in the container, not on local machine</a:t>
-            </a:r>
-          </a:p>
-          <a:p>
-            <a:r>
-              <a:rPr lang="en-US" dirty="0"/>
-              <a:t>- Add ReadMe.md file with bad syntax</a:t>
-            </a:r>
-          </a:p>
-          <a:p>
-            <a:r>
-              <a:rPr lang="en-US" dirty="0"/>
-              <a:t>  - Add the </a:t>
-            </a:r>
-            <a:r>
-              <a:rPr lang="en-US" dirty="0" err="1"/>
-              <a:t>MarkdownLint</a:t>
-            </a:r>
-            <a:r>
-              <a:rPr lang="en-US" dirty="0"/>
-              <a:t> extension to the </a:t>
-            </a:r>
-            <a:r>
-              <a:rPr lang="en-US" dirty="0" err="1"/>
-              <a:t>devcontainer.json</a:t>
-            </a:r>
-            <a:r>
-              <a:rPr lang="en-US" dirty="0"/>
-              <a:t> file and rebuild container</a:t>
-            </a:r>
-          </a:p>
-          <a:p>
-            <a:r>
-              <a:rPr lang="en-US" dirty="0"/>
-              <a:t>  - Show that extensions can be installed without adding to </a:t>
-            </a:r>
-            <a:r>
-              <a:rPr lang="en-US" dirty="0" err="1"/>
-              <a:t>devcontainer.json</a:t>
-            </a:r>
-            <a:r>
-              <a:rPr lang="en-US" dirty="0"/>
-              <a:t>, but not a good idea</a:t>
-            </a:r>
-          </a:p>
-          <a:p>
-            <a:r>
-              <a:rPr lang="en-US" dirty="0"/>
-              <a:t>- Show that if you add a .</a:t>
-            </a:r>
-            <a:r>
-              <a:rPr lang="en-US" dirty="0" err="1"/>
-              <a:t>devcontainer</a:t>
-            </a:r>
-            <a:r>
-              <a:rPr lang="en-US" dirty="0"/>
-              <a:t> file to your project already on disk, it will exist both on disk and in container and changes show </a:t>
-            </a:r>
-            <a:r>
-              <a:rPr lang="en-US"/>
-              <a:t>up in both</a:t>
-            </a:r>
-            <a:endParaRPr lang="en-US" dirty="0"/>
           </a:p>
         </p:txBody>
       </p:sp>
@@ -1212,7 +1188,7 @@
           <a:p>
             <a:fld id="{1734D747-9380-41EE-9946-EC9EC0CA5D1E}" type="slidenum">
               <a:rPr lang="en-US" noProof="0" smtClean="0"/>
-              <a:t>10</a:t>
+              <a:t>6</a:t>
             </a:fld>
             <a:endParaRPr lang="en-US" noProof="0" dirty="0"/>
           </a:p>
@@ -1221,7 +1197,7 @@
     </p:spTree>
     <p:extLst>
       <p:ext uri="{BB962C8B-B14F-4D97-AF65-F5344CB8AC3E}">
-        <p14:creationId xmlns:p14="http://schemas.microsoft.com/office/powerpoint/2010/main" val="2061877421"/>
+        <p14:creationId xmlns:p14="http://schemas.microsoft.com/office/powerpoint/2010/main" val="711839059"/>
       </p:ext>
     </p:extLst>
   </p:cSld>
@@ -1296,7 +1272,7 @@
           <a:p>
             <a:fld id="{1734D747-9380-41EE-9946-EC9EC0CA5D1E}" type="slidenum">
               <a:rPr lang="en-US" noProof="0" smtClean="0"/>
-              <a:t>12</a:t>
+              <a:t>7</a:t>
             </a:fld>
             <a:endParaRPr lang="en-US" noProof="0" dirty="0"/>
           </a:p>
@@ -1305,7 +1281,7 @@
     </p:spTree>
     <p:extLst>
       <p:ext uri="{BB962C8B-B14F-4D97-AF65-F5344CB8AC3E}">
-        <p14:creationId xmlns:p14="http://schemas.microsoft.com/office/powerpoint/2010/main" val="2117843235"/>
+        <p14:creationId xmlns:p14="http://schemas.microsoft.com/office/powerpoint/2010/main" val="3324510483"/>
       </p:ext>
     </p:extLst>
   </p:cSld>
@@ -1361,83 +1337,45 @@
           <a:p>
             <a:r>
               <a:rPr lang="en-US" dirty="0"/>
-              <a:t>- Open </a:t>
+              <a:t>- First show blog </a:t>
             </a:r>
             <a:r>
               <a:rPr lang="en-US" dirty="0" err="1"/>
-              <a:t>PowerShell.tiPS</a:t>
+              <a:t>devcontainer</a:t>
             </a:r>
             <a:r>
               <a:rPr lang="en-US" dirty="0"/>
-              <a:t> in </a:t>
+              <a:t> with </a:t>
             </a:r>
             <a:r>
               <a:rPr lang="en-US" dirty="0" err="1"/>
-              <a:t>Codespaces</a:t>
+              <a:t>Dockerfile</a:t>
             </a:r>
-            <a:endParaRPr lang="en-US" dirty="0"/>
-          </a:p>
-          <a:p>
             <a:r>
               <a:rPr lang="en-US" dirty="0"/>
-              <a:t>  - Show how to open a new </a:t>
+              <a:t>, then updated version without </a:t>
             </a:r>
             <a:r>
               <a:rPr lang="en-US" dirty="0" err="1"/>
-              <a:t>Codespace</a:t>
+              <a:t>Dockerfile</a:t>
             </a:r>
             <a:r>
               <a:rPr lang="en-US" dirty="0"/>
-              <a:t>, and while it gets created show how to open an existing one</a:t>
+              <a:t> and using features.</a:t>
             </a:r>
           </a:p>
           <a:p>
             <a:r>
               <a:rPr lang="en-US" dirty="0"/>
-              <a:t>- Show VS Code in GitHub vs. </a:t>
+              <a:t>  - Old method with </a:t>
             </a:r>
             <a:r>
               <a:rPr lang="en-US" dirty="0" err="1"/>
-              <a:t>Codespaces</a:t>
-            </a:r>
-            <a:endParaRPr lang="en-US" dirty="0"/>
-          </a:p>
-          <a:p>
-            <a:r>
-              <a:rPr lang="en-US" dirty="0"/>
-              <a:t>  - No terminal</a:t>
-            </a:r>
-          </a:p>
-          <a:p>
-            <a:r>
-              <a:rPr lang="en-US" dirty="0"/>
-              <a:t>  - Cannot build, run tests, run tasks, etc.</a:t>
-            </a:r>
-          </a:p>
-          <a:p>
-            <a:r>
-              <a:rPr lang="en-US" dirty="0"/>
-              <a:t>  - No extensions</a:t>
-            </a:r>
-          </a:p>
-          <a:p>
-            <a:r>
-              <a:rPr lang="en-US" dirty="0"/>
-              <a:t>- Show you edit an existing code space (rename, change type, etc.) and then delete it</a:t>
-            </a:r>
-          </a:p>
-          <a:p>
-            <a:r>
-              <a:rPr lang="en-US" dirty="0"/>
-              <a:t>- Show creating new React </a:t>
-            </a:r>
-            <a:r>
-              <a:rPr lang="en-US" dirty="0" err="1"/>
-              <a:t>Codespace</a:t>
+              <a:t>Dockerfile</a:t>
             </a:r>
             <a:r>
               <a:rPr lang="en-US" dirty="0"/>
-              <a:t> from the template and running it</a:t>
+              <a:t>: https://github.com/deadlydog/deadlydog.github.io/blob/c67d189e1fb29ecf83e756e7131e999ce9b1d47b/.devcontainer/devcontainer.json </a:t>
             </a:r>
           </a:p>
         </p:txBody>
@@ -1459,7 +1397,464 @@
           <a:p>
             <a:fld id="{1734D747-9380-41EE-9946-EC9EC0CA5D1E}" type="slidenum">
               <a:rPr lang="en-US" noProof="0" smtClean="0"/>
-              <a:t>18</a:t>
+              <a:t>8</a:t>
+            </a:fld>
+            <a:endParaRPr lang="en-US" noProof="0" dirty="0"/>
+          </a:p>
+        </p:txBody>
+      </p:sp>
+    </p:spTree>
+    <p:extLst>
+      <p:ext uri="{BB962C8B-B14F-4D97-AF65-F5344CB8AC3E}">
+        <p14:creationId xmlns:p14="http://schemas.microsoft.com/office/powerpoint/2010/main" val="46410739"/>
+      </p:ext>
+    </p:extLst>
+  </p:cSld>
+  <p:clrMapOvr>
+    <a:masterClrMapping/>
+  </p:clrMapOvr>
+</p:notes>
+</file>
+
+<file path=ppt/notesSlides/notesSlide7.xml><?xml version="1.0" encoding="utf-8"?>
+<p:notes xmlns:a="http://schemas.openxmlformats.org/drawingml/2006/main" xmlns:r="http://schemas.openxmlformats.org/officeDocument/2006/relationships" xmlns:p="http://schemas.openxmlformats.org/presentationml/2006/main">
+  <p:cSld>
+    <p:spTree>
+      <p:nvGrpSpPr>
+        <p:cNvPr id="1" name=""/>
+        <p:cNvGrpSpPr/>
+        <p:nvPr/>
+      </p:nvGrpSpPr>
+      <p:grpSpPr>
+        <a:xfrm>
+          <a:off x="0" y="0"/>
+          <a:ext cx="0" cy="0"/>
+          <a:chOff x="0" y="0"/>
+          <a:chExt cx="0" cy="0"/>
+        </a:xfrm>
+      </p:grpSpPr>
+      <p:sp>
+        <p:nvSpPr>
+          <p:cNvPr id="2" name="Slide Image Placeholder 1"/>
+          <p:cNvSpPr>
+            <a:spLocks noGrp="1" noRot="1" noChangeAspect="1"/>
+          </p:cNvSpPr>
+          <p:nvPr>
+            <p:ph type="sldImg"/>
+          </p:nvPr>
+        </p:nvSpPr>
+        <p:spPr/>
+      </p:sp>
+      <p:sp>
+        <p:nvSpPr>
+          <p:cNvPr id="3" name="Notes Placeholder 2"/>
+          <p:cNvSpPr>
+            <a:spLocks noGrp="1"/>
+          </p:cNvSpPr>
+          <p:nvPr>
+            <p:ph type="body" idx="1"/>
+          </p:nvPr>
+        </p:nvSpPr>
+        <p:spPr/>
+        <p:txBody>
+          <a:bodyPr/>
+          <a:lstStyle/>
+          <a:p>
+            <a:r>
+              <a:rPr lang="en-US" dirty="0"/>
+              <a:t>- Ensure Docker Desktop is running</a:t>
+            </a:r>
+          </a:p>
+          <a:p>
+            <a:r>
+              <a:rPr lang="en-US" dirty="0"/>
+              <a:t>- Open VS Extensions and show the Dev Containers extension and Remote Development extension pack</a:t>
+            </a:r>
+          </a:p>
+          <a:p>
+            <a:r>
+              <a:rPr lang="en-US" dirty="0"/>
+              <a:t>- Open </a:t>
+            </a:r>
+            <a:r>
+              <a:rPr lang="en-US" dirty="0" err="1"/>
+              <a:t>PowerShell.tiPS</a:t>
+            </a:r>
+            <a:r>
+              <a:rPr lang="en-US" dirty="0"/>
+              <a:t> project and build project and run tests</a:t>
+            </a:r>
+          </a:p>
+          <a:p>
+            <a:r>
+              <a:rPr lang="en-US" dirty="0"/>
+              <a:t>  - Show PowerShell version in container vs local machine. $</a:t>
+            </a:r>
+            <a:r>
+              <a:rPr lang="en-US" dirty="0" err="1"/>
+              <a:t>PSVersionTable</a:t>
+            </a:r>
+            <a:endParaRPr lang="en-US" dirty="0"/>
+          </a:p>
+          <a:p>
+            <a:r>
+              <a:rPr lang="en-US" dirty="0"/>
+              <a:t>  - Show how long it takes VS Code to start up in local vs. dev container</a:t>
+            </a:r>
+          </a:p>
+          <a:p>
+            <a:r>
+              <a:rPr lang="en-US" dirty="0"/>
+              <a:t>- Create new C# Dev Container from template</a:t>
+            </a:r>
+          </a:p>
+          <a:p>
+            <a:r>
+              <a:rPr lang="en-US" dirty="0"/>
+              <a:t>  - dotnet new console</a:t>
+            </a:r>
+          </a:p>
+          <a:p>
+            <a:r>
+              <a:rPr lang="en-US" dirty="0"/>
+              <a:t>  - dotnet build</a:t>
+            </a:r>
+          </a:p>
+          <a:p>
+            <a:r>
+              <a:rPr lang="en-US" dirty="0"/>
+              <a:t>  - dotnet run</a:t>
+            </a:r>
+          </a:p>
+          <a:p>
+            <a:r>
+              <a:rPr lang="en-US" dirty="0"/>
+              <a:t>- Show that files only exist in the container, not on local machine</a:t>
+            </a:r>
+          </a:p>
+          <a:p>
+            <a:r>
+              <a:rPr lang="en-US" dirty="0"/>
+              <a:t>- Add ReadMe.md file with bad syntax</a:t>
+            </a:r>
+          </a:p>
+          <a:p>
+            <a:r>
+              <a:rPr lang="en-US" dirty="0"/>
+              <a:t>  - Add the </a:t>
+            </a:r>
+            <a:r>
+              <a:rPr lang="en-US" dirty="0" err="1"/>
+              <a:t>MarkdownLint</a:t>
+            </a:r>
+            <a:r>
+              <a:rPr lang="en-US" dirty="0"/>
+              <a:t> extension to the </a:t>
+            </a:r>
+            <a:r>
+              <a:rPr lang="en-US" dirty="0" err="1"/>
+              <a:t>devcontainer.json</a:t>
+            </a:r>
+            <a:r>
+              <a:rPr lang="en-US" dirty="0"/>
+              <a:t> file and rebuild container</a:t>
+            </a:r>
+          </a:p>
+          <a:p>
+            <a:r>
+              <a:rPr lang="en-US" dirty="0"/>
+              <a:t>  - Show that extensions can be installed without adding to </a:t>
+            </a:r>
+            <a:r>
+              <a:rPr lang="en-US" dirty="0" err="1"/>
+              <a:t>devcontainer.json</a:t>
+            </a:r>
+            <a:r>
+              <a:rPr lang="en-US" dirty="0"/>
+              <a:t>, but not a good idea</a:t>
+            </a:r>
+          </a:p>
+          <a:p>
+            <a:r>
+              <a:rPr lang="en-US" dirty="0"/>
+              <a:t>- Show that if you add a .</a:t>
+            </a:r>
+            <a:r>
+              <a:rPr lang="en-US" dirty="0" err="1"/>
+              <a:t>devcontainer</a:t>
+            </a:r>
+            <a:r>
+              <a:rPr lang="en-US" dirty="0"/>
+              <a:t> file to your project already on disk, it will exist both on disk and in container and changes show up in both</a:t>
+            </a:r>
+          </a:p>
+        </p:txBody>
+      </p:sp>
+      <p:sp>
+        <p:nvSpPr>
+          <p:cNvPr id="4" name="Slide Number Placeholder 3"/>
+          <p:cNvSpPr>
+            <a:spLocks noGrp="1"/>
+          </p:cNvSpPr>
+          <p:nvPr>
+            <p:ph type="sldNum" sz="quarter" idx="5"/>
+          </p:nvPr>
+        </p:nvSpPr>
+        <p:spPr/>
+        <p:txBody>
+          <a:bodyPr/>
+          <a:lstStyle/>
+          <a:p>
+            <a:fld id="{1734D747-9380-41EE-9946-EC9EC0CA5D1E}" type="slidenum">
+              <a:rPr lang="en-US" noProof="0" smtClean="0"/>
+              <a:t>11</a:t>
+            </a:fld>
+            <a:endParaRPr lang="en-US" noProof="0" dirty="0"/>
+          </a:p>
+        </p:txBody>
+      </p:sp>
+    </p:spTree>
+    <p:extLst>
+      <p:ext uri="{BB962C8B-B14F-4D97-AF65-F5344CB8AC3E}">
+        <p14:creationId xmlns:p14="http://schemas.microsoft.com/office/powerpoint/2010/main" val="2061877421"/>
+      </p:ext>
+    </p:extLst>
+  </p:cSld>
+  <p:clrMapOvr>
+    <a:masterClrMapping/>
+  </p:clrMapOvr>
+</p:notes>
+</file>
+
+<file path=ppt/notesSlides/notesSlide8.xml><?xml version="1.0" encoding="utf-8"?>
+<p:notes xmlns:a="http://schemas.openxmlformats.org/drawingml/2006/main" xmlns:r="http://schemas.openxmlformats.org/officeDocument/2006/relationships" xmlns:p="http://schemas.openxmlformats.org/presentationml/2006/main">
+  <p:cSld>
+    <p:spTree>
+      <p:nvGrpSpPr>
+        <p:cNvPr id="1" name=""/>
+        <p:cNvGrpSpPr/>
+        <p:nvPr/>
+      </p:nvGrpSpPr>
+      <p:grpSpPr>
+        <a:xfrm>
+          <a:off x="0" y="0"/>
+          <a:ext cx="0" cy="0"/>
+          <a:chOff x="0" y="0"/>
+          <a:chExt cx="0" cy="0"/>
+        </a:xfrm>
+      </p:grpSpPr>
+      <p:sp>
+        <p:nvSpPr>
+          <p:cNvPr id="2" name="Slide Image Placeholder 1"/>
+          <p:cNvSpPr>
+            <a:spLocks noGrp="1" noRot="1" noChangeAspect="1"/>
+          </p:cNvSpPr>
+          <p:nvPr>
+            <p:ph type="sldImg"/>
+          </p:nvPr>
+        </p:nvSpPr>
+        <p:spPr/>
+      </p:sp>
+      <p:sp>
+        <p:nvSpPr>
+          <p:cNvPr id="3" name="Notes Placeholder 2"/>
+          <p:cNvSpPr>
+            <a:spLocks noGrp="1"/>
+          </p:cNvSpPr>
+          <p:nvPr>
+            <p:ph type="body" idx="1"/>
+          </p:nvPr>
+        </p:nvSpPr>
+        <p:spPr/>
+        <p:txBody>
+          <a:bodyPr/>
+          <a:lstStyle/>
+          <a:p>
+            <a:endParaRPr lang="en-US" dirty="0"/>
+          </a:p>
+        </p:txBody>
+      </p:sp>
+      <p:sp>
+        <p:nvSpPr>
+          <p:cNvPr id="4" name="Slide Number Placeholder 3"/>
+          <p:cNvSpPr>
+            <a:spLocks noGrp="1"/>
+          </p:cNvSpPr>
+          <p:nvPr>
+            <p:ph type="sldNum" sz="quarter" idx="5"/>
+          </p:nvPr>
+        </p:nvSpPr>
+        <p:spPr/>
+        <p:txBody>
+          <a:bodyPr/>
+          <a:lstStyle/>
+          <a:p>
+            <a:fld id="{1734D747-9380-41EE-9946-EC9EC0CA5D1E}" type="slidenum">
+              <a:rPr lang="en-US" noProof="0" smtClean="0"/>
+              <a:t>13</a:t>
+            </a:fld>
+            <a:endParaRPr lang="en-US" noProof="0" dirty="0"/>
+          </a:p>
+        </p:txBody>
+      </p:sp>
+    </p:spTree>
+    <p:extLst>
+      <p:ext uri="{BB962C8B-B14F-4D97-AF65-F5344CB8AC3E}">
+        <p14:creationId xmlns:p14="http://schemas.microsoft.com/office/powerpoint/2010/main" val="2117843235"/>
+      </p:ext>
+    </p:extLst>
+  </p:cSld>
+  <p:clrMapOvr>
+    <a:masterClrMapping/>
+  </p:clrMapOvr>
+</p:notes>
+</file>
+
+<file path=ppt/notesSlides/notesSlide9.xml><?xml version="1.0" encoding="utf-8"?>
+<p:notes xmlns:a="http://schemas.openxmlformats.org/drawingml/2006/main" xmlns:r="http://schemas.openxmlformats.org/officeDocument/2006/relationships" xmlns:p="http://schemas.openxmlformats.org/presentationml/2006/main">
+  <p:cSld>
+    <p:spTree>
+      <p:nvGrpSpPr>
+        <p:cNvPr id="1" name=""/>
+        <p:cNvGrpSpPr/>
+        <p:nvPr/>
+      </p:nvGrpSpPr>
+      <p:grpSpPr>
+        <a:xfrm>
+          <a:off x="0" y="0"/>
+          <a:ext cx="0" cy="0"/>
+          <a:chOff x="0" y="0"/>
+          <a:chExt cx="0" cy="0"/>
+        </a:xfrm>
+      </p:grpSpPr>
+      <p:sp>
+        <p:nvSpPr>
+          <p:cNvPr id="2" name="Slide Image Placeholder 1"/>
+          <p:cNvSpPr>
+            <a:spLocks noGrp="1" noRot="1" noChangeAspect="1"/>
+          </p:cNvSpPr>
+          <p:nvPr>
+            <p:ph type="sldImg"/>
+          </p:nvPr>
+        </p:nvSpPr>
+        <p:spPr/>
+      </p:sp>
+      <p:sp>
+        <p:nvSpPr>
+          <p:cNvPr id="3" name="Notes Placeholder 2"/>
+          <p:cNvSpPr>
+            <a:spLocks noGrp="1"/>
+          </p:cNvSpPr>
+          <p:nvPr>
+            <p:ph type="body" idx="1"/>
+          </p:nvPr>
+        </p:nvSpPr>
+        <p:spPr/>
+        <p:txBody>
+          <a:bodyPr/>
+          <a:lstStyle/>
+          <a:p>
+            <a:r>
+              <a:rPr lang="en-US" dirty="0"/>
+              <a:t>- Open </a:t>
+            </a:r>
+            <a:r>
+              <a:rPr lang="en-US" dirty="0" err="1"/>
+              <a:t>PowerShell.tiPS</a:t>
+            </a:r>
+            <a:r>
+              <a:rPr lang="en-US" dirty="0"/>
+              <a:t> in </a:t>
+            </a:r>
+            <a:r>
+              <a:rPr lang="en-US" dirty="0" err="1"/>
+              <a:t>Codespaces</a:t>
+            </a:r>
+            <a:endParaRPr lang="en-US" dirty="0"/>
+          </a:p>
+          <a:p>
+            <a:r>
+              <a:rPr lang="en-US" dirty="0"/>
+              <a:t>  - Show how to open a new </a:t>
+            </a:r>
+            <a:r>
+              <a:rPr lang="en-US" dirty="0" err="1"/>
+              <a:t>Codespace</a:t>
+            </a:r>
+            <a:r>
+              <a:rPr lang="en-US" dirty="0"/>
+              <a:t>, and while it gets created show how to open an existing one</a:t>
+            </a:r>
+          </a:p>
+          <a:p>
+            <a:r>
+              <a:rPr lang="en-US" dirty="0"/>
+              <a:t>- Show VS Code in GitHub vs. </a:t>
+            </a:r>
+            <a:r>
+              <a:rPr lang="en-US" dirty="0" err="1"/>
+              <a:t>Codespaces</a:t>
+            </a:r>
+            <a:endParaRPr lang="en-US" dirty="0"/>
+          </a:p>
+          <a:p>
+            <a:r>
+              <a:rPr lang="en-US" dirty="0"/>
+              <a:t>  - No terminal</a:t>
+            </a:r>
+          </a:p>
+          <a:p>
+            <a:r>
+              <a:rPr lang="en-US" dirty="0"/>
+              <a:t>  - Cannot build, run tests, run tasks, etc.</a:t>
+            </a:r>
+          </a:p>
+          <a:p>
+            <a:r>
+              <a:rPr lang="en-US" dirty="0"/>
+              <a:t>  - No extensions</a:t>
+            </a:r>
+          </a:p>
+          <a:p>
+            <a:r>
+              <a:rPr lang="en-US" dirty="0"/>
+              <a:t>- Show you edit an existing code space (rename, change type, etc.) and then delete it</a:t>
+            </a:r>
+          </a:p>
+          <a:p>
+            <a:r>
+              <a:rPr lang="en-US" dirty="0"/>
+              <a:t>- Show creating new React </a:t>
+            </a:r>
+            <a:r>
+              <a:rPr lang="en-US" dirty="0" err="1"/>
+              <a:t>Codespace</a:t>
+            </a:r>
+            <a:r>
+              <a:rPr lang="en-US" dirty="0"/>
+              <a:t> from the template and running it</a:t>
+            </a:r>
+          </a:p>
+        </p:txBody>
+      </p:sp>
+      <p:sp>
+        <p:nvSpPr>
+          <p:cNvPr id="4" name="Slide Number Placeholder 3"/>
+          <p:cNvSpPr>
+            <a:spLocks noGrp="1"/>
+          </p:cNvSpPr>
+          <p:nvPr>
+            <p:ph type="sldNum" sz="quarter" idx="5"/>
+          </p:nvPr>
+        </p:nvSpPr>
+        <p:spPr/>
+        <p:txBody>
+          <a:bodyPr/>
+          <a:lstStyle/>
+          <a:p>
+            <a:fld id="{1734D747-9380-41EE-9946-EC9EC0CA5D1E}" type="slidenum">
+              <a:rPr lang="en-US" noProof="0" smtClean="0"/>
+              <a:t>19</a:t>
             </a:fld>
             <a:endParaRPr lang="en-US" noProof="0" dirty="0"/>
           </a:p>
@@ -26338,10 +26733,9 @@
               <a:buNone/>
             </a:pPr>
             <a:r>
-              <a:rPr lang="en-US" sz="2400" dirty="0"/>
-              <a:t>Lunch &amp; Learn with Dan Schroeder</a:t>
+              <a:rPr lang="en-US" sz="2800" dirty="0"/>
+              <a:t>Lunch &amp; Learn with Daniel Schroeder</a:t>
             </a:r>
-            <a:endParaRPr lang="en-US" dirty="0"/>
           </a:p>
         </p:txBody>
       </p:sp>
@@ -26359,8 +26753,8 @@
         </p:nvSpPr>
         <p:spPr>
           <a:xfrm>
-            <a:off x="10295858" y="6241409"/>
-            <a:ext cx="1582484" cy="369332"/>
+            <a:off x="11341916" y="6241409"/>
+            <a:ext cx="755335" cy="400110"/>
           </a:xfrm>
           <a:prstGeom prst="rect">
             <a:avLst/>
@@ -26374,18 +26768,13 @@
           <a:lstStyle/>
           <a:p>
             <a:r>
-              <a:rPr lang="en-US" sz="1800" dirty="0">
+              <a:rPr lang="en-US" sz="2000" dirty="0">
                 <a:solidFill>
                   <a:schemeClr val="bg1"/>
                 </a:solidFill>
               </a:rPr>
-              <a:t>January 2024</a:t>
+              <a:t>2024</a:t>
             </a:r>
-            <a:endParaRPr lang="en-US" dirty="0">
-              <a:solidFill>
-                <a:schemeClr val="bg1"/>
-              </a:solidFill>
-            </a:endParaRPr>
           </a:p>
         </p:txBody>
       </p:sp>
@@ -26445,6 +26834,243 @@
           <a:p>
             <a:r>
               <a:rPr lang="en-US" dirty="0"/>
+              <a:t>Dev Containers – Prerequisites</a:t>
+            </a:r>
+          </a:p>
+        </p:txBody>
+      </p:sp>
+      <p:sp>
+        <p:nvSpPr>
+          <p:cNvPr id="10" name="Text Placeholder 9">
+            <a:extLst>
+              <a:ext uri="{FF2B5EF4-FFF2-40B4-BE49-F238E27FC236}">
+                <a16:creationId xmlns:a16="http://schemas.microsoft.com/office/drawing/2014/main" id="{EF2BC084-E6DB-4DE7-B309-042A85EBA700}"/>
+              </a:ext>
+            </a:extLst>
+          </p:cNvPr>
+          <p:cNvSpPr>
+            <a:spLocks noGrp="1"/>
+          </p:cNvSpPr>
+          <p:nvPr>
+            <p:ph type="body" sz="quarter" idx="13"/>
+          </p:nvPr>
+        </p:nvSpPr>
+        <p:spPr>
+          <a:xfrm>
+            <a:off x="444499" y="1300882"/>
+            <a:ext cx="11393274" cy="5347058"/>
+          </a:xfrm>
+        </p:spPr>
+        <p:txBody>
+          <a:bodyPr/>
+          <a:lstStyle/>
+          <a:p>
+            <a:r>
+              <a:rPr lang="en-US" sz="2800" dirty="0"/>
+              <a:t>Docker (Docker Desktop for Windows)</a:t>
+            </a:r>
+          </a:p>
+          <a:p>
+            <a:endParaRPr lang="en-US" sz="2800" dirty="0"/>
+          </a:p>
+          <a:p>
+            <a:r>
+              <a:rPr lang="en-US" sz="2800" dirty="0"/>
+              <a:t>Editor - Visual Studio Code (IntelliJ IDEA, JetBrains WebStorm)</a:t>
+            </a:r>
+          </a:p>
+          <a:p>
+            <a:pPr lvl="1"/>
+            <a:r>
+              <a:rPr lang="en-US" sz="2400" dirty="0"/>
+              <a:t>Dev Containers VS Code extension</a:t>
+            </a:r>
+          </a:p>
+          <a:p>
+            <a:pPr lvl="2"/>
+            <a:r>
+              <a:rPr lang="en-US" sz="2400" dirty="0"/>
+              <a:t>Or Remote Development extension pack</a:t>
+            </a:r>
+          </a:p>
+          <a:p>
+            <a:pPr marL="0" indent="0">
+              <a:buNone/>
+            </a:pPr>
+            <a:r>
+              <a:rPr lang="en-US" sz="3200" dirty="0"/>
+              <a:t>OR</a:t>
+            </a:r>
+          </a:p>
+          <a:p>
+            <a:r>
+              <a:rPr lang="en-US" sz="2800" dirty="0" err="1"/>
+              <a:t>DevContainers</a:t>
+            </a:r>
+            <a:r>
+              <a:rPr lang="en-US" sz="2800" dirty="0"/>
+              <a:t> CLI</a:t>
+            </a:r>
+          </a:p>
+          <a:p>
+            <a:pPr lvl="1"/>
+            <a:r>
+              <a:rPr lang="en-US" sz="2200" dirty="0">
+                <a:solidFill>
+                  <a:srgbClr val="00B0F0"/>
+                </a:solidFill>
+                <a:hlinkClick r:id="rId2">
+                  <a:extLst>
+                    <a:ext uri="{A12FA001-AC4F-418D-AE19-62706E023703}">
+                      <ahyp:hlinkClr xmlns:ahyp="http://schemas.microsoft.com/office/drawing/2018/hyperlinkcolor" val="tx"/>
+                    </a:ext>
+                  </a:extLst>
+                </a:hlinkClick>
+              </a:rPr>
+              <a:t>https://github.com/devcontainers/cli</a:t>
+            </a:r>
+            <a:r>
+              <a:rPr lang="en-US" sz="2200" dirty="0">
+                <a:solidFill>
+                  <a:srgbClr val="00B0F0"/>
+                </a:solidFill>
+              </a:rPr>
+              <a:t> </a:t>
+            </a:r>
+          </a:p>
+          <a:p>
+            <a:pPr lvl="1"/>
+            <a:endParaRPr lang="en-US" sz="2200" dirty="0">
+              <a:solidFill>
+                <a:srgbClr val="00B0F0"/>
+              </a:solidFill>
+            </a:endParaRPr>
+          </a:p>
+          <a:p>
+            <a:pPr marL="0" indent="0">
+              <a:buNone/>
+            </a:pPr>
+            <a:r>
+              <a:rPr lang="en-US" sz="2800" dirty="0"/>
+              <a:t>Supported editors and tools: </a:t>
+            </a:r>
+            <a:r>
+              <a:rPr lang="en-US" sz="2800" dirty="0">
+                <a:solidFill>
+                  <a:srgbClr val="00B0F0"/>
+                </a:solidFill>
+                <a:hlinkClick r:id="rId3">
+                  <a:extLst>
+                    <a:ext uri="{A12FA001-AC4F-418D-AE19-62706E023703}">
+                      <ahyp:hlinkClr xmlns:ahyp="http://schemas.microsoft.com/office/drawing/2018/hyperlinkcolor" val="tx"/>
+                    </a:ext>
+                  </a:extLst>
+                </a:hlinkClick>
+              </a:rPr>
+              <a:t>https://containers.dev/supporting</a:t>
+            </a:r>
+            <a:r>
+              <a:rPr lang="en-US" sz="2800" dirty="0"/>
+              <a:t> </a:t>
+            </a:r>
+          </a:p>
+        </p:txBody>
+      </p:sp>
+      <p:sp>
+        <p:nvSpPr>
+          <p:cNvPr id="2" name="Slide Number Placeholder 1">
+            <a:extLst>
+              <a:ext uri="{FF2B5EF4-FFF2-40B4-BE49-F238E27FC236}">
+                <a16:creationId xmlns:a16="http://schemas.microsoft.com/office/drawing/2014/main" id="{BE9800F6-D571-48C4-8466-12AA1ADB6599}"/>
+              </a:ext>
+            </a:extLst>
+          </p:cNvPr>
+          <p:cNvSpPr>
+            <a:spLocks noGrp="1"/>
+          </p:cNvSpPr>
+          <p:nvPr>
+            <p:ph type="sldNum" sz="quarter" idx="12"/>
+          </p:nvPr>
+        </p:nvSpPr>
+        <p:spPr/>
+        <p:txBody>
+          <a:bodyPr/>
+          <a:lstStyle/>
+          <a:p>
+            <a:fld id="{C263D6C4-4840-40CC-AC84-17E24B3B7BDE}" type="slidenum">
+              <a:rPr lang="en-US" smtClean="0"/>
+              <a:pPr/>
+              <a:t>10</a:t>
+            </a:fld>
+            <a:endParaRPr lang="en-US" dirty="0"/>
+          </a:p>
+        </p:txBody>
+      </p:sp>
+    </p:spTree>
+    <p:extLst>
+      <p:ext uri="{BB962C8B-B14F-4D97-AF65-F5344CB8AC3E}">
+        <p14:creationId xmlns:p14="http://schemas.microsoft.com/office/powerpoint/2010/main" val="2483605879"/>
+      </p:ext>
+    </p:extLst>
+  </p:cSld>
+  <p:clrMapOvr>
+    <a:masterClrMapping/>
+  </p:clrMapOvr>
+  <mc:AlternateContent xmlns:mc="http://schemas.openxmlformats.org/markup-compatibility/2006" xmlns:p14="http://schemas.microsoft.com/office/powerpoint/2010/main">
+    <mc:Choice Requires="p14">
+      <p:transition spd="med" p14:dur="700">
+        <p:fade/>
+      </p:transition>
+    </mc:Choice>
+    <mc:Fallback xmlns="">
+      <p:transition spd="med">
+        <p:fade/>
+      </p:transition>
+    </mc:Fallback>
+  </mc:AlternateContent>
+</p:sld>
+</file>
+
+<file path=ppt/slides/slide11.xml><?xml version="1.0" encoding="utf-8"?>
+<p:sld xmlns:a="http://schemas.openxmlformats.org/drawingml/2006/main" xmlns:r="http://schemas.openxmlformats.org/officeDocument/2006/relationships" xmlns:p="http://schemas.openxmlformats.org/presentationml/2006/main">
+  <p:cSld>
+    <p:spTree>
+      <p:nvGrpSpPr>
+        <p:cNvPr id="1" name=""/>
+        <p:cNvGrpSpPr/>
+        <p:nvPr/>
+      </p:nvGrpSpPr>
+      <p:grpSpPr>
+        <a:xfrm>
+          <a:off x="0" y="0"/>
+          <a:ext cx="0" cy="0"/>
+          <a:chOff x="0" y="0"/>
+          <a:chExt cx="0" cy="0"/>
+        </a:xfrm>
+      </p:grpSpPr>
+      <p:sp>
+        <p:nvSpPr>
+          <p:cNvPr id="7" name="Title 6">
+            <a:extLst>
+              <a:ext uri="{FF2B5EF4-FFF2-40B4-BE49-F238E27FC236}">
+                <a16:creationId xmlns:a16="http://schemas.microsoft.com/office/drawing/2014/main" id="{7875C19A-1AAE-476A-A316-A2CF92D763D3}"/>
+              </a:ext>
+            </a:extLst>
+          </p:cNvPr>
+          <p:cNvSpPr>
+            <a:spLocks noGrp="1"/>
+          </p:cNvSpPr>
+          <p:nvPr>
+            <p:ph type="title"/>
+          </p:nvPr>
+        </p:nvSpPr>
+        <p:spPr/>
+        <p:txBody>
+          <a:bodyPr/>
+          <a:lstStyle/>
+          <a:p>
+            <a:r>
+              <a:rPr lang="en-US" dirty="0"/>
               <a:t>Dev Containers</a:t>
             </a:r>
           </a:p>
@@ -26510,7 +27136,7 @@
             <a:fld id="{C263D6C4-4840-40CC-AC84-17E24B3B7BDE}" type="slidenum">
               <a:rPr lang="en-US" smtClean="0"/>
               <a:pPr/>
-              <a:t>10</a:t>
+              <a:t>11</a:t>
             </a:fld>
             <a:endParaRPr lang="en-US" dirty="0"/>
           </a:p>
@@ -26541,7 +27167,7 @@
 </p:sld>
 </file>
 
-<file path=ppt/slides/slide11.xml><?xml version="1.0" encoding="utf-8"?>
+<file path=ppt/slides/slide12.xml><?xml version="1.0" encoding="utf-8"?>
 <p:sld xmlns:a="http://schemas.openxmlformats.org/drawingml/2006/main" xmlns:r="http://schemas.openxmlformats.org/officeDocument/2006/relationships" xmlns:p="http://schemas.openxmlformats.org/presentationml/2006/main">
   <p:cSld>
     <p:spTree>
@@ -26683,7 +27309,7 @@
             <a:fld id="{C263D6C4-4840-40CC-AC84-17E24B3B7BDE}" type="slidenum">
               <a:rPr lang="en-US" smtClean="0"/>
               <a:pPr/>
-              <a:t>11</a:t>
+              <a:t>12</a:t>
             </a:fld>
             <a:endParaRPr lang="en-US" dirty="0"/>
           </a:p>
@@ -26693,222 +27319,6 @@
     <p:extLst>
       <p:ext uri="{BB962C8B-B14F-4D97-AF65-F5344CB8AC3E}">
         <p14:creationId xmlns:p14="http://schemas.microsoft.com/office/powerpoint/2010/main" val="3861592245"/>
-      </p:ext>
-    </p:extLst>
-  </p:cSld>
-  <p:clrMapOvr>
-    <a:masterClrMapping/>
-  </p:clrMapOvr>
-  <mc:AlternateContent xmlns:mc="http://schemas.openxmlformats.org/markup-compatibility/2006" xmlns:p14="http://schemas.microsoft.com/office/powerpoint/2010/main">
-    <mc:Choice Requires="p14">
-      <p:transition spd="med" p14:dur="700">
-        <p:fade/>
-      </p:transition>
-    </mc:Choice>
-    <mc:Fallback xmlns="">
-      <p:transition spd="med">
-        <p:fade/>
-      </p:transition>
-    </mc:Fallback>
-  </mc:AlternateContent>
-</p:sld>
-</file>
-
-<file path=ppt/slides/slide12.xml><?xml version="1.0" encoding="utf-8"?>
-<p:sld xmlns:a="http://schemas.openxmlformats.org/drawingml/2006/main" xmlns:r="http://schemas.openxmlformats.org/officeDocument/2006/relationships" xmlns:p="http://schemas.openxmlformats.org/presentationml/2006/main">
-  <p:cSld>
-    <p:spTree>
-      <p:nvGrpSpPr>
-        <p:cNvPr id="1" name=""/>
-        <p:cNvGrpSpPr/>
-        <p:nvPr/>
-      </p:nvGrpSpPr>
-      <p:grpSpPr>
-        <a:xfrm>
-          <a:off x="0" y="0"/>
-          <a:ext cx="0" cy="0"/>
-          <a:chOff x="0" y="0"/>
-          <a:chExt cx="0" cy="0"/>
-        </a:xfrm>
-      </p:grpSpPr>
-      <p:sp>
-        <p:nvSpPr>
-          <p:cNvPr id="7" name="Title 6">
-            <a:extLst>
-              <a:ext uri="{FF2B5EF4-FFF2-40B4-BE49-F238E27FC236}">
-                <a16:creationId xmlns:a16="http://schemas.microsoft.com/office/drawing/2014/main" id="{7875C19A-1AAE-476A-A316-A2CF92D763D3}"/>
-              </a:ext>
-            </a:extLst>
-          </p:cNvPr>
-          <p:cNvSpPr>
-            <a:spLocks noGrp="1"/>
-          </p:cNvSpPr>
-          <p:nvPr>
-            <p:ph type="title"/>
-          </p:nvPr>
-        </p:nvSpPr>
-        <p:spPr/>
-        <p:txBody>
-          <a:bodyPr/>
-          <a:lstStyle/>
-          <a:p>
-            <a:r>
-              <a:rPr lang="en-US" dirty="0"/>
-              <a:t>Dev Containers – When to use them</a:t>
-            </a:r>
-          </a:p>
-        </p:txBody>
-      </p:sp>
-      <p:sp>
-        <p:nvSpPr>
-          <p:cNvPr id="10" name="Text Placeholder 9">
-            <a:extLst>
-              <a:ext uri="{FF2B5EF4-FFF2-40B4-BE49-F238E27FC236}">
-                <a16:creationId xmlns:a16="http://schemas.microsoft.com/office/drawing/2014/main" id="{EF2BC084-E6DB-4DE7-B309-042A85EBA700}"/>
-              </a:ext>
-            </a:extLst>
-          </p:cNvPr>
-          <p:cNvSpPr>
-            <a:spLocks noGrp="1"/>
-          </p:cNvSpPr>
-          <p:nvPr>
-            <p:ph type="body" sz="quarter" idx="13"/>
-          </p:nvPr>
-        </p:nvSpPr>
-        <p:spPr>
-          <a:xfrm>
-            <a:off x="444499" y="1282482"/>
-            <a:ext cx="11127391" cy="5397718"/>
-          </a:xfrm>
-        </p:spPr>
-        <p:txBody>
-          <a:bodyPr/>
-          <a:lstStyle/>
-          <a:p>
-            <a:r>
-              <a:rPr lang="en-US" sz="2400" dirty="0"/>
-              <a:t>Ideally, always</a:t>
-            </a:r>
-          </a:p>
-          <a:p>
-            <a:r>
-              <a:rPr lang="en-US" sz="2400" dirty="0"/>
-              <a:t>In practicality, when your primary IDE supports it (VS Code)</a:t>
-            </a:r>
-          </a:p>
-          <a:p>
-            <a:pPr lvl="1"/>
-            <a:r>
-              <a:rPr lang="en-US" sz="2200" dirty="0"/>
-              <a:t>Front-end web development, Node.js, …</a:t>
-            </a:r>
-          </a:p>
-          <a:p>
-            <a:pPr lvl="1"/>
-            <a:r>
-              <a:rPr lang="en-US" sz="2200" dirty="0"/>
-              <a:t>PowerShell, Python, Bash, Ruby, Auto Hotkey, …</a:t>
-            </a:r>
-          </a:p>
-          <a:p>
-            <a:pPr lvl="1"/>
-            <a:r>
-              <a:rPr lang="en-US" sz="2200" dirty="0"/>
-              <a:t>Terraform, Puppet, Azure CLI, …</a:t>
-            </a:r>
-          </a:p>
-          <a:p>
-            <a:pPr lvl="1"/>
-            <a:r>
-              <a:rPr lang="en-US" sz="2200" dirty="0"/>
-              <a:t>Markdown</a:t>
-            </a:r>
-          </a:p>
-          <a:p>
-            <a:pPr lvl="1"/>
-            <a:r>
-              <a:rPr lang="en-US" sz="2200" dirty="0"/>
-              <a:t>Linting and code formatting enforced (</a:t>
-            </a:r>
-            <a:r>
-              <a:rPr lang="en-US" sz="2200" dirty="0" err="1"/>
-              <a:t>Editorconfig</a:t>
-            </a:r>
-            <a:r>
-              <a:rPr lang="en-US" sz="2200" dirty="0"/>
-              <a:t>, Prettier, Spellcheck, etc.)</a:t>
-            </a:r>
-          </a:p>
-          <a:p>
-            <a:pPr lvl="2"/>
-            <a:r>
-              <a:rPr lang="en-US" sz="2000" dirty="0"/>
-              <a:t>Shift left</a:t>
-            </a:r>
-          </a:p>
-          <a:p>
-            <a:pPr lvl="1"/>
-            <a:r>
-              <a:rPr lang="en-US" sz="2200" dirty="0"/>
-              <a:t>Open-source software</a:t>
-            </a:r>
-          </a:p>
-          <a:p>
-            <a:r>
-              <a:rPr lang="en-US" sz="2400" dirty="0"/>
-              <a:t>Want to keep your local machine clean</a:t>
-            </a:r>
-            <a:r>
-              <a:rPr lang="en-US" sz="2200" dirty="0">
-                <a:solidFill>
-                  <a:srgbClr val="00B0F0"/>
-                </a:solidFill>
-              </a:rPr>
-              <a:t> </a:t>
-            </a:r>
-          </a:p>
-          <a:p>
-            <a:r>
-              <a:rPr lang="en-US" sz="2400" dirty="0"/>
-              <a:t>Working with projects of the same type that depend on different versions</a:t>
-            </a:r>
-          </a:p>
-        </p:txBody>
-      </p:sp>
-      <p:sp>
-        <p:nvSpPr>
-          <p:cNvPr id="2" name="Slide Number Placeholder 1">
-            <a:extLst>
-              <a:ext uri="{FF2B5EF4-FFF2-40B4-BE49-F238E27FC236}">
-                <a16:creationId xmlns:a16="http://schemas.microsoft.com/office/drawing/2014/main" id="{BE9800F6-D571-48C4-8466-12AA1ADB6599}"/>
-              </a:ext>
-            </a:extLst>
-          </p:cNvPr>
-          <p:cNvSpPr>
-            <a:spLocks noGrp="1"/>
-          </p:cNvSpPr>
-          <p:nvPr>
-            <p:ph type="sldNum" sz="quarter" idx="12"/>
-          </p:nvPr>
-        </p:nvSpPr>
-        <p:spPr/>
-        <p:txBody>
-          <a:bodyPr/>
-          <a:lstStyle/>
-          <a:p>
-            <a:fld id="{C263D6C4-4840-40CC-AC84-17E24B3B7BDE}" type="slidenum">
-              <a:rPr lang="en-US" smtClean="0"/>
-              <a:pPr/>
-              <a:t>12</a:t>
-            </a:fld>
-            <a:endParaRPr lang="en-US" dirty="0"/>
-          </a:p>
-        </p:txBody>
-      </p:sp>
-    </p:spTree>
-    <p:extLst>
-      <p:ext uri="{BB962C8B-B14F-4D97-AF65-F5344CB8AC3E}">
-        <p14:creationId xmlns:p14="http://schemas.microsoft.com/office/powerpoint/2010/main" val="1291615618"/>
       </p:ext>
     </p:extLst>
   </p:cSld>
@@ -26970,7 +27380,7 @@
           <a:p>
             <a:r>
               <a:rPr lang="en-US" dirty="0"/>
-              <a:t>Dev Containers – Downsides</a:t>
+              <a:t>Dev Containers – When to use them</a:t>
             </a:r>
           </a:p>
         </p:txBody>
@@ -26993,8 +27403,8 @@
         </p:nvSpPr>
         <p:spPr>
           <a:xfrm>
-            <a:off x="444499" y="1282482"/>
-            <a:ext cx="10912765" cy="5054815"/>
+            <a:off x="259145" y="1257767"/>
+            <a:ext cx="11825764" cy="5508931"/>
           </a:xfrm>
         </p:spPr>
         <p:txBody>
@@ -27002,45 +27412,72 @@
           <a:lstStyle/>
           <a:p>
             <a:r>
-              <a:rPr lang="en-US" sz="2400" dirty="0"/>
-              <a:t>Limitations</a:t>
+              <a:rPr lang="en-US" sz="2800" dirty="0"/>
+              <a:t>Ideally, always; In practice, when your main IDE supports it (VS Code)</a:t>
             </a:r>
           </a:p>
           <a:p>
             <a:pPr lvl="1"/>
             <a:r>
-              <a:rPr lang="en-US" sz="2200" dirty="0"/>
-              <a:t>Do not support </a:t>
+              <a:rPr lang="en-US" sz="2400" dirty="0"/>
+              <a:t>Front-end web development, Node.js, …</a:t>
+            </a:r>
+          </a:p>
+          <a:p>
+            <a:pPr lvl="1"/>
+            <a:r>
+              <a:rPr lang="en-US" sz="2400" dirty="0"/>
+              <a:t>PowerShell, Python, Bash, Ruby, Auto Hotkey, …</a:t>
+            </a:r>
+          </a:p>
+          <a:p>
+            <a:pPr lvl="1"/>
+            <a:r>
+              <a:rPr lang="en-US" sz="2400" dirty="0"/>
+              <a:t>Terraform, Puppet, Azure CLI, …</a:t>
+            </a:r>
+          </a:p>
+          <a:p>
+            <a:pPr lvl="1"/>
+            <a:r>
+              <a:rPr lang="en-US" sz="2400" dirty="0"/>
+              <a:t>Markdown</a:t>
+            </a:r>
+          </a:p>
+          <a:p>
+            <a:r>
+              <a:rPr lang="en-US" sz="2600" dirty="0"/>
+              <a:t>Linting and code formatting enforced (</a:t>
             </a:r>
             <a:r>
-              <a:rPr lang="en-US" sz="2200"/>
-              <a:t>Windows containers (yet)</a:t>
+              <a:rPr lang="en-US" sz="2600" dirty="0" err="1"/>
+              <a:t>Editorconfig</a:t>
             </a:r>
-            <a:endParaRPr lang="en-US" sz="2200" dirty="0"/>
+            <a:r>
+              <a:rPr lang="en-US" sz="2600" dirty="0"/>
+              <a:t>, Prettier, Spellcheck, etc.)</a:t>
+            </a:r>
           </a:p>
           <a:p>
             <a:pPr lvl="1"/>
             <a:r>
-              <a:rPr lang="en-US" sz="2200" dirty="0"/>
-              <a:t>Not supported by many IDEs: </a:t>
+              <a:rPr lang="en-US" sz="2600" dirty="0"/>
+              <a:t>Shift left</a:t>
+            </a:r>
+          </a:p>
+          <a:p>
+            <a:r>
+              <a:rPr lang="en-US" sz="2600" dirty="0"/>
+              <a:t>Open-source software</a:t>
+            </a:r>
+          </a:p>
+          <a:p>
+            <a:r>
+              <a:rPr lang="en-US" sz="2800" dirty="0"/>
+              <a:t>Want to keep your local machine clean</a:t>
             </a:r>
             <a:r>
-              <a:rPr lang="en-US" sz="2200" dirty="0">
-                <a:solidFill>
-                  <a:srgbClr val="00B0F0"/>
-                </a:solidFill>
-                <a:hlinkClick r:id="rId2">
-                  <a:extLst>
-                    <a:ext uri="{A12FA001-AC4F-418D-AE19-62706E023703}">
-                      <ahyp:hlinkClr xmlns:ahyp="http://schemas.microsoft.com/office/drawing/2018/hyperlinkcolor" val="tx"/>
-                    </a:ext>
-                  </a:extLst>
-                </a:hlinkClick>
-              </a:rPr>
-              <a:t>https://containers.dev/supporting</a:t>
-            </a:r>
-            <a:r>
-              <a:rPr lang="en-US" sz="2200" dirty="0">
+              <a:rPr lang="en-US" sz="2800" dirty="0">
                 <a:solidFill>
                   <a:srgbClr val="00B0F0"/>
                 </a:solidFill>
@@ -27049,60 +27486,9 @@
             </a:r>
           </a:p>
           <a:p>
-            <a:pPr lvl="1"/>
             <a:r>
-              <a:rPr lang="en-US" sz="2200" dirty="0"/>
-              <a:t>No Visual Studio support* </a:t>
-            </a:r>
-          </a:p>
-          <a:p>
-            <a:pPr lvl="2"/>
-            <a:r>
-              <a:rPr lang="en-US" sz="2000" dirty="0">
-                <a:solidFill>
-                  <a:srgbClr val="00B0F0"/>
-                </a:solidFill>
-                <a:hlinkClick r:id="rId3">
-                  <a:extLst>
-                    <a:ext uri="{A12FA001-AC4F-418D-AE19-62706E023703}">
-                      <ahyp:hlinkClr xmlns:ahyp="http://schemas.microsoft.com/office/drawing/2018/hyperlinkcolor" val="tx"/>
-                    </a:ext>
-                  </a:extLst>
-                </a:hlinkClick>
-              </a:rPr>
-              <a:t>https://devblogs.microsoft.com/cppblog/dev-containers-for-c-in-visual-studio/</a:t>
-            </a:r>
-            <a:r>
-              <a:rPr lang="en-US" sz="2000" dirty="0">
-                <a:solidFill>
-                  <a:srgbClr val="00B0F0"/>
-                </a:solidFill>
-              </a:rPr>
-              <a:t> </a:t>
-            </a:r>
-          </a:p>
-          <a:p>
-            <a:endParaRPr lang="en-US" sz="2400" dirty="0"/>
-          </a:p>
-          <a:p>
-            <a:r>
-              <a:rPr lang="en-US" sz="2400" dirty="0"/>
-              <a:t>Longer startup time and image rebuilds</a:t>
-            </a:r>
-          </a:p>
-          <a:p>
-            <a:r>
-              <a:rPr lang="en-US" sz="2400" dirty="0"/>
-              <a:t>Windows vs. Unix commands</a:t>
-            </a:r>
-          </a:p>
-          <a:p>
-            <a:endParaRPr lang="en-US" sz="2400" dirty="0"/>
-          </a:p>
-          <a:p>
-            <a:r>
-              <a:rPr lang="en-US" sz="2400" dirty="0"/>
-              <a:t>Tip: Keep Dev Container Docker image/dependencies in sync with CI pipeline</a:t>
+              <a:rPr lang="en-US" sz="2800" dirty="0"/>
+              <a:t>Working with projects that depend on different SDK/runtime versions</a:t>
             </a:r>
           </a:p>
         </p:txBody>
@@ -27140,7 +27526,7 @@
     </p:spTree>
     <p:extLst>
       <p:ext uri="{BB962C8B-B14F-4D97-AF65-F5344CB8AC3E}">
-        <p14:creationId xmlns:p14="http://schemas.microsoft.com/office/powerpoint/2010/main" val="2517258097"/>
+        <p14:creationId xmlns:p14="http://schemas.microsoft.com/office/powerpoint/2010/main" val="1291615618"/>
       </p:ext>
     </p:extLst>
   </p:cSld>
@@ -27202,7 +27588,7 @@
           <a:p>
             <a:r>
               <a:rPr lang="en-US" dirty="0"/>
-              <a:t>Dev Containers – Cleanup</a:t>
+              <a:t>Dev Containers – Downsides</a:t>
             </a:r>
           </a:p>
         </p:txBody>
@@ -27225,8 +27611,8 @@
         </p:nvSpPr>
         <p:spPr>
           <a:xfrm>
-            <a:off x="444499" y="2660073"/>
-            <a:ext cx="10375901" cy="3058555"/>
+            <a:off x="444499" y="1210962"/>
+            <a:ext cx="11553912" cy="5288692"/>
           </a:xfrm>
         </p:spPr>
         <p:txBody>
@@ -27234,40 +27620,107 @@
           <a:lstStyle/>
           <a:p>
             <a:r>
+              <a:rPr lang="en-US" sz="2800" dirty="0"/>
+              <a:t>Limitations</a:t>
+            </a:r>
+          </a:p>
+          <a:p>
+            <a:pPr lvl="1"/>
+            <a:r>
               <a:rPr lang="en-US" sz="2400" dirty="0"/>
-              <a:t>Docker images can eat up a lot of disk space</a:t>
+              <a:t>Do not support Windows containers (yet)</a:t>
+            </a:r>
+          </a:p>
+          <a:p>
+            <a:pPr lvl="1"/>
+            <a:r>
+              <a:rPr lang="en-US" sz="2400" dirty="0"/>
+              <a:t>Not supported by many IDEs: </a:t>
             </a:r>
             <a:r>
-              <a:rPr lang="en-US" sz="2200" dirty="0"/>
-              <a:t>, so remove old images</a:t>
+              <a:rPr lang="en-US" sz="2400" dirty="0">
+                <a:solidFill>
+                  <a:srgbClr val="00B0F0"/>
+                </a:solidFill>
+                <a:hlinkClick r:id="rId2">
+                  <a:extLst>
+                    <a:ext uri="{A12FA001-AC4F-418D-AE19-62706E023703}">
+                      <ahyp:hlinkClr xmlns:ahyp="http://schemas.microsoft.com/office/drawing/2018/hyperlinkcolor" val="tx"/>
+                    </a:ext>
+                  </a:extLst>
+                </a:hlinkClick>
+              </a:rPr>
+              <a:t>https://containers.dev/supporting</a:t>
+            </a:r>
+            <a:r>
+              <a:rPr lang="en-US" sz="2400" dirty="0">
+                <a:solidFill>
+                  <a:srgbClr val="00B0F0"/>
+                </a:solidFill>
+              </a:rPr>
+              <a:t> </a:t>
             </a:r>
           </a:p>
           <a:p>
             <a:pPr lvl="1"/>
             <a:r>
-              <a:rPr lang="en-US" sz="2200" dirty="0"/>
-              <a:t>Command line (remove all images)</a:t>
+              <a:rPr lang="en-US" sz="2400" dirty="0"/>
+              <a:t>No Visual Studio support* </a:t>
             </a:r>
           </a:p>
           <a:p>
             <a:pPr lvl="2"/>
             <a:r>
-              <a:rPr lang="de-DE" sz="2000" dirty="0"/>
-              <a:t>docker rmi $(docker images -a -q)</a:t>
+              <a:rPr lang="en-US" sz="2000" dirty="0">
+                <a:solidFill>
+                  <a:srgbClr val="00B0F0"/>
+                </a:solidFill>
+                <a:hlinkClick r:id="rId3">
+                  <a:extLst>
+                    <a:ext uri="{A12FA001-AC4F-418D-AE19-62706E023703}">
+                      <ahyp:hlinkClr xmlns:ahyp="http://schemas.microsoft.com/office/drawing/2018/hyperlinkcolor" val="tx"/>
+                    </a:ext>
+                  </a:extLst>
+                </a:hlinkClick>
+              </a:rPr>
+              <a:t>https://devblogs.microsoft.com/cppblog/dev-containers-for-c-in-visual-studio/</a:t>
             </a:r>
-          </a:p>
-          <a:p>
-            <a:pPr lvl="2"/>
             <a:r>
-              <a:rPr lang="en-US" sz="2000" dirty="0"/>
-              <a:t>docker system prune –a      (deletes networks and cache too)</a:t>
+              <a:rPr lang="en-US" sz="2000" dirty="0">
+                <a:solidFill>
+                  <a:srgbClr val="00B0F0"/>
+                </a:solidFill>
+              </a:rPr>
+              <a:t> </a:t>
+            </a:r>
+            <a:endParaRPr lang="en-US" sz="2400" dirty="0"/>
+          </a:p>
+          <a:p>
+            <a:endParaRPr lang="en-US" sz="2800" dirty="0"/>
+          </a:p>
+          <a:p>
+            <a:r>
+              <a:rPr lang="en-US" sz="2800" dirty="0"/>
+              <a:t>Longer startup time, image rebuilds, disk space</a:t>
+            </a:r>
+          </a:p>
+          <a:p>
+            <a:r>
+              <a:rPr lang="en-US" sz="2800" dirty="0"/>
+              <a:t>Windows vs. Unix commands</a:t>
+            </a:r>
+          </a:p>
+          <a:p>
+            <a:r>
+              <a:rPr lang="en-US" sz="2800" dirty="0"/>
+              <a:t>Tip: Keep Dev Container dependencies in sync with CI pipeline</a:t>
             </a:r>
           </a:p>
           <a:p>
             <a:pPr lvl="1"/>
             <a:r>
-              <a:rPr lang="en-US" sz="2200" dirty="0"/>
-              <a:t>Docker Desktop UI</a:t>
+              <a:rPr lang="en-US" sz="2600" dirty="0"/>
+              <a:t>E.g., dotnet SDK version</a:t>
             </a:r>
           </a:p>
         </p:txBody>
@@ -27305,7 +27758,7 @@
     </p:spTree>
     <p:extLst>
       <p:ext uri="{BB962C8B-B14F-4D97-AF65-F5344CB8AC3E}">
-        <p14:creationId xmlns:p14="http://schemas.microsoft.com/office/powerpoint/2010/main" val="2757214876"/>
+        <p14:creationId xmlns:p14="http://schemas.microsoft.com/office/powerpoint/2010/main" val="2517258097"/>
       </p:ext>
     </p:extLst>
   </p:cSld>
@@ -27346,6 +27799,167 @@
       </p:grpSpPr>
       <p:sp>
         <p:nvSpPr>
+          <p:cNvPr id="7" name="Title 6">
+            <a:extLst>
+              <a:ext uri="{FF2B5EF4-FFF2-40B4-BE49-F238E27FC236}">
+                <a16:creationId xmlns:a16="http://schemas.microsoft.com/office/drawing/2014/main" id="{7875C19A-1AAE-476A-A316-A2CF92D763D3}"/>
+              </a:ext>
+            </a:extLst>
+          </p:cNvPr>
+          <p:cNvSpPr>
+            <a:spLocks noGrp="1"/>
+          </p:cNvSpPr>
+          <p:nvPr>
+            <p:ph type="title"/>
+          </p:nvPr>
+        </p:nvSpPr>
+        <p:spPr/>
+        <p:txBody>
+          <a:bodyPr/>
+          <a:lstStyle/>
+          <a:p>
+            <a:r>
+              <a:rPr lang="en-US" dirty="0"/>
+              <a:t>Dev Containers – Cleanup</a:t>
+            </a:r>
+          </a:p>
+        </p:txBody>
+      </p:sp>
+      <p:sp>
+        <p:nvSpPr>
+          <p:cNvPr id="10" name="Text Placeholder 9">
+            <a:extLst>
+              <a:ext uri="{FF2B5EF4-FFF2-40B4-BE49-F238E27FC236}">
+                <a16:creationId xmlns:a16="http://schemas.microsoft.com/office/drawing/2014/main" id="{EF2BC084-E6DB-4DE7-B309-042A85EBA700}"/>
+              </a:ext>
+            </a:extLst>
+          </p:cNvPr>
+          <p:cNvSpPr>
+            <a:spLocks noGrp="1"/>
+          </p:cNvSpPr>
+          <p:nvPr>
+            <p:ph type="body" sz="quarter" idx="13"/>
+          </p:nvPr>
+        </p:nvSpPr>
+        <p:spPr>
+          <a:xfrm>
+            <a:off x="444499" y="2706129"/>
+            <a:ext cx="10375901" cy="3012499"/>
+          </a:xfrm>
+        </p:spPr>
+        <p:txBody>
+          <a:bodyPr/>
+          <a:lstStyle/>
+          <a:p>
+            <a:r>
+              <a:rPr lang="en-US" sz="2800" dirty="0"/>
+              <a:t>Docker images can eat up a lot of disk space, so remove old images</a:t>
+            </a:r>
+          </a:p>
+          <a:p>
+            <a:pPr lvl="1"/>
+            <a:r>
+              <a:rPr lang="en-US" sz="2400" dirty="0"/>
+              <a:t>Command line (remove all images)</a:t>
+            </a:r>
+          </a:p>
+          <a:p>
+            <a:pPr lvl="2"/>
+            <a:r>
+              <a:rPr lang="de-DE" sz="2400" dirty="0"/>
+              <a:t>docker rmi $(docker images -a -q)</a:t>
+            </a:r>
+          </a:p>
+          <a:p>
+            <a:pPr lvl="2"/>
+            <a:r>
+              <a:rPr lang="en-US" sz="2400" dirty="0"/>
+              <a:t>docker system prune –a    (deletes networks and cache too)</a:t>
+            </a:r>
+          </a:p>
+          <a:p>
+            <a:pPr lvl="1"/>
+            <a:r>
+              <a:rPr lang="en-US" sz="2400" dirty="0"/>
+              <a:t>Docker Desktop UI</a:t>
+            </a:r>
+          </a:p>
+        </p:txBody>
+      </p:sp>
+      <p:sp>
+        <p:nvSpPr>
+          <p:cNvPr id="2" name="Slide Number Placeholder 1">
+            <a:extLst>
+              <a:ext uri="{FF2B5EF4-FFF2-40B4-BE49-F238E27FC236}">
+                <a16:creationId xmlns:a16="http://schemas.microsoft.com/office/drawing/2014/main" id="{BE9800F6-D571-48C4-8466-12AA1ADB6599}"/>
+              </a:ext>
+            </a:extLst>
+          </p:cNvPr>
+          <p:cNvSpPr>
+            <a:spLocks noGrp="1"/>
+          </p:cNvSpPr>
+          <p:nvPr>
+            <p:ph type="sldNum" sz="quarter" idx="12"/>
+          </p:nvPr>
+        </p:nvSpPr>
+        <p:spPr/>
+        <p:txBody>
+          <a:bodyPr/>
+          <a:lstStyle/>
+          <a:p>
+            <a:fld id="{C263D6C4-4840-40CC-AC84-17E24B3B7BDE}" type="slidenum">
+              <a:rPr lang="en-US" smtClean="0"/>
+              <a:pPr/>
+              <a:t>15</a:t>
+            </a:fld>
+            <a:endParaRPr lang="en-US" dirty="0"/>
+          </a:p>
+        </p:txBody>
+      </p:sp>
+    </p:spTree>
+    <p:extLst>
+      <p:ext uri="{BB962C8B-B14F-4D97-AF65-F5344CB8AC3E}">
+        <p14:creationId xmlns:p14="http://schemas.microsoft.com/office/powerpoint/2010/main" val="2757214876"/>
+      </p:ext>
+    </p:extLst>
+  </p:cSld>
+  <p:clrMapOvr>
+    <a:masterClrMapping/>
+  </p:clrMapOvr>
+  <mc:AlternateContent xmlns:mc="http://schemas.openxmlformats.org/markup-compatibility/2006" xmlns:p14="http://schemas.microsoft.com/office/powerpoint/2010/main">
+    <mc:Choice Requires="p14">
+      <p:transition spd="med" p14:dur="700">
+        <p:fade/>
+      </p:transition>
+    </mc:Choice>
+    <mc:Fallback xmlns="">
+      <p:transition spd="med">
+        <p:fade/>
+      </p:transition>
+    </mc:Fallback>
+  </mc:AlternateContent>
+</p:sld>
+</file>
+
+<file path=ppt/slides/slide16.xml><?xml version="1.0" encoding="utf-8"?>
+<p:sld xmlns:a="http://schemas.openxmlformats.org/drawingml/2006/main" xmlns:r="http://schemas.openxmlformats.org/officeDocument/2006/relationships" xmlns:p="http://schemas.openxmlformats.org/presentationml/2006/main">
+  <p:cSld>
+    <p:spTree>
+      <p:nvGrpSpPr>
+        <p:cNvPr id="1" name=""/>
+        <p:cNvGrpSpPr/>
+        <p:nvPr/>
+      </p:nvGrpSpPr>
+      <p:grpSpPr>
+        <a:xfrm>
+          <a:off x="0" y="0"/>
+          <a:ext cx="0" cy="0"/>
+          <a:chOff x="0" y="0"/>
+          <a:chExt cx="0" cy="0"/>
+        </a:xfrm>
+      </p:grpSpPr>
+      <p:sp>
+        <p:nvSpPr>
           <p:cNvPr id="2" name="Title 1">
             <a:extLst>
               <a:ext uri="{FF2B5EF4-FFF2-40B4-BE49-F238E27FC236}">
@@ -27366,10 +27980,10 @@
           <a:lstStyle/>
           <a:p>
             <a:r>
-              <a:rPr lang="en-US" dirty="0"/>
+              <a:rPr lang="en-US" sz="6000" dirty="0"/>
               <a:t>Questions?</a:t>
             </a:r>
-            <a:endParaRPr lang="en-GB" dirty="0"/>
+            <a:endParaRPr lang="en-GB" sz="6000" dirty="0"/>
           </a:p>
         </p:txBody>
       </p:sp>
@@ -27429,7 +28043,7 @@
 </p:sld>
 </file>
 
-<file path=ppt/slides/slide16.xml><?xml version="1.0" encoding="utf-8"?>
+<file path=ppt/slides/slide17.xml><?xml version="1.0" encoding="utf-8"?>
 <p:sld xmlns:a="http://schemas.openxmlformats.org/drawingml/2006/main" xmlns:r="http://schemas.openxmlformats.org/officeDocument/2006/relationships" xmlns:p="http://schemas.openxmlformats.org/presentationml/2006/main">
   <p:cSld>
     <p:spTree>
@@ -27499,8 +28113,8 @@
         </p:nvSpPr>
         <p:spPr>
           <a:xfrm>
-            <a:off x="603248" y="4754880"/>
-            <a:ext cx="7189932" cy="365760"/>
+            <a:off x="603247" y="4754880"/>
+            <a:ext cx="7441001" cy="570882"/>
           </a:xfrm>
         </p:spPr>
         <p:txBody>
@@ -27510,7 +28124,7 @@
           <a:lstStyle/>
           <a:p>
             <a:r>
-              <a:rPr lang="en-US" sz="2400" dirty="0"/>
+              <a:rPr lang="en-US" sz="2800" dirty="0"/>
               <a:t>Write your code on the go</a:t>
             </a:r>
           </a:p>
@@ -27540,7 +28154,7 @@
             <a:fld id="{C263D6C4-4840-40CC-AC84-17E24B3B7BDE}" type="slidenum">
               <a:rPr lang="en-US" smtClean="0"/>
               <a:pPr/>
-              <a:t>16</a:t>
+              <a:t>17</a:t>
             </a:fld>
             <a:endParaRPr lang="en-US" dirty="0"/>
           </a:p>
@@ -27550,178 +28164,6 @@
     <p:extLst>
       <p:ext uri="{BB962C8B-B14F-4D97-AF65-F5344CB8AC3E}">
         <p14:creationId xmlns:p14="http://schemas.microsoft.com/office/powerpoint/2010/main" val="2251143587"/>
-      </p:ext>
-    </p:extLst>
-  </p:cSld>
-  <p:clrMapOvr>
-    <a:masterClrMapping/>
-  </p:clrMapOvr>
-  <mc:AlternateContent xmlns:mc="http://schemas.openxmlformats.org/markup-compatibility/2006" xmlns:p14="http://schemas.microsoft.com/office/powerpoint/2010/main">
-    <mc:Choice Requires="p14">
-      <p:transition spd="med" p14:dur="700">
-        <p:fade/>
-      </p:transition>
-    </mc:Choice>
-    <mc:Fallback xmlns="">
-      <p:transition spd="med">
-        <p:fade/>
-      </p:transition>
-    </mc:Fallback>
-  </mc:AlternateContent>
-</p:sld>
-</file>
-
-<file path=ppt/slides/slide17.xml><?xml version="1.0" encoding="utf-8"?>
-<p:sld xmlns:a="http://schemas.openxmlformats.org/drawingml/2006/main" xmlns:r="http://schemas.openxmlformats.org/officeDocument/2006/relationships" xmlns:p="http://schemas.openxmlformats.org/presentationml/2006/main">
-  <p:cSld>
-    <p:spTree>
-      <p:nvGrpSpPr>
-        <p:cNvPr id="1" name=""/>
-        <p:cNvGrpSpPr/>
-        <p:nvPr/>
-      </p:nvGrpSpPr>
-      <p:grpSpPr>
-        <a:xfrm>
-          <a:off x="0" y="0"/>
-          <a:ext cx="0" cy="0"/>
-          <a:chOff x="0" y="0"/>
-          <a:chExt cx="0" cy="0"/>
-        </a:xfrm>
-      </p:grpSpPr>
-      <p:sp>
-        <p:nvSpPr>
-          <p:cNvPr id="7" name="Title 6">
-            <a:extLst>
-              <a:ext uri="{FF2B5EF4-FFF2-40B4-BE49-F238E27FC236}">
-                <a16:creationId xmlns:a16="http://schemas.microsoft.com/office/drawing/2014/main" id="{7875C19A-1AAE-476A-A316-A2CF92D763D3}"/>
-              </a:ext>
-            </a:extLst>
-          </p:cNvPr>
-          <p:cNvSpPr>
-            <a:spLocks noGrp="1"/>
-          </p:cNvSpPr>
-          <p:nvPr>
-            <p:ph type="title"/>
-          </p:nvPr>
-        </p:nvSpPr>
-        <p:spPr/>
-        <p:txBody>
-          <a:bodyPr/>
-          <a:lstStyle/>
-          <a:p>
-            <a:r>
-              <a:rPr lang="en-US" dirty="0"/>
-              <a:t>GitHub Codespaces – What is it</a:t>
-            </a:r>
-          </a:p>
-        </p:txBody>
-      </p:sp>
-      <p:sp>
-        <p:nvSpPr>
-          <p:cNvPr id="10" name="Text Placeholder 9">
-            <a:extLst>
-              <a:ext uri="{FF2B5EF4-FFF2-40B4-BE49-F238E27FC236}">
-                <a16:creationId xmlns:a16="http://schemas.microsoft.com/office/drawing/2014/main" id="{EF2BC084-E6DB-4DE7-B309-042A85EBA700}"/>
-              </a:ext>
-            </a:extLst>
-          </p:cNvPr>
-          <p:cNvSpPr>
-            <a:spLocks noGrp="1"/>
-          </p:cNvSpPr>
-          <p:nvPr>
-            <p:ph type="body" sz="quarter" idx="13"/>
-          </p:nvPr>
-        </p:nvSpPr>
-        <p:spPr>
-          <a:xfrm>
-            <a:off x="444499" y="1987420"/>
-            <a:ext cx="10912765" cy="4349877"/>
-          </a:xfrm>
-        </p:spPr>
-        <p:txBody>
-          <a:bodyPr/>
-          <a:lstStyle/>
-          <a:p>
-            <a:r>
-              <a:rPr lang="en-US" sz="2400" dirty="0"/>
-              <a:t>GitHub runs your dev container for you on their servers</a:t>
-            </a:r>
-          </a:p>
-          <a:p>
-            <a:pPr lvl="1"/>
-            <a:r>
-              <a:rPr lang="en-US" sz="2200" dirty="0"/>
-              <a:t>Containers will persist until explicitly deleted</a:t>
-            </a:r>
-          </a:p>
-          <a:p>
-            <a:r>
-              <a:rPr lang="en-US" sz="2400" dirty="0"/>
-              <a:t>Connect to container from:</a:t>
-            </a:r>
-          </a:p>
-          <a:p>
-            <a:pPr lvl="1"/>
-            <a:r>
-              <a:rPr lang="en-US" sz="2200" dirty="0"/>
-              <a:t>Web browser</a:t>
-            </a:r>
-          </a:p>
-          <a:p>
-            <a:pPr lvl="1"/>
-            <a:r>
-              <a:rPr lang="en-US" sz="2200" dirty="0"/>
-              <a:t>Command line</a:t>
-            </a:r>
-          </a:p>
-          <a:p>
-            <a:pPr lvl="1"/>
-            <a:r>
-              <a:rPr lang="en-US" sz="2200" dirty="0"/>
-              <a:t>Desktop app: VS Code, JetBrains, </a:t>
-            </a:r>
-            <a:r>
-              <a:rPr lang="en-US" sz="2200" dirty="0" err="1"/>
-              <a:t>Jupyter</a:t>
-            </a:r>
-            <a:endParaRPr lang="en-US" sz="2200" dirty="0"/>
-          </a:p>
-        </p:txBody>
-      </p:sp>
-      <p:sp>
-        <p:nvSpPr>
-          <p:cNvPr id="2" name="Slide Number Placeholder 1">
-            <a:extLst>
-              <a:ext uri="{FF2B5EF4-FFF2-40B4-BE49-F238E27FC236}">
-                <a16:creationId xmlns:a16="http://schemas.microsoft.com/office/drawing/2014/main" id="{BE9800F6-D571-48C4-8466-12AA1ADB6599}"/>
-              </a:ext>
-            </a:extLst>
-          </p:cNvPr>
-          <p:cNvSpPr>
-            <a:spLocks noGrp="1"/>
-          </p:cNvSpPr>
-          <p:nvPr>
-            <p:ph type="sldNum" sz="quarter" idx="12"/>
-          </p:nvPr>
-        </p:nvSpPr>
-        <p:spPr/>
-        <p:txBody>
-          <a:bodyPr/>
-          <a:lstStyle/>
-          <a:p>
-            <a:fld id="{C263D6C4-4840-40CC-AC84-17E24B3B7BDE}" type="slidenum">
-              <a:rPr lang="en-US" smtClean="0"/>
-              <a:pPr/>
-              <a:t>17</a:t>
-            </a:fld>
-            <a:endParaRPr lang="en-US" dirty="0"/>
-          </a:p>
-        </p:txBody>
-      </p:sp>
-    </p:spTree>
-    <p:extLst>
-      <p:ext uri="{BB962C8B-B14F-4D97-AF65-F5344CB8AC3E}">
-        <p14:creationId xmlns:p14="http://schemas.microsoft.com/office/powerpoint/2010/main" val="1184089763"/>
       </p:ext>
     </p:extLst>
   </p:cSld>
@@ -27783,7 +28225,7 @@
           <a:p>
             <a:r>
               <a:rPr lang="en-US" dirty="0"/>
-              <a:t>GitHub Codespaces</a:t>
+              <a:t>GitHub Codespaces – What is it</a:t>
             </a:r>
           </a:p>
         </p:txBody>
@@ -27806,21 +28248,57 @@
         </p:nvSpPr>
         <p:spPr>
           <a:xfrm>
-            <a:off x="444499" y="2847109"/>
-            <a:ext cx="10912765" cy="3490188"/>
+            <a:off x="444499" y="1987420"/>
+            <a:ext cx="10912765" cy="4349877"/>
           </a:xfrm>
         </p:spPr>
         <p:txBody>
           <a:bodyPr/>
           <a:lstStyle/>
           <a:p>
-            <a:pPr marL="0" indent="0" algn="ctr">
-              <a:buNone/>
-            </a:pPr>
             <a:r>
-              <a:rPr lang="en-US" sz="6000" dirty="0"/>
-              <a:t>Demo</a:t>
+              <a:rPr lang="en-US" sz="2800" dirty="0"/>
+              <a:t>GitHub runs your dev container for you on their servers</a:t>
             </a:r>
+          </a:p>
+          <a:p>
+            <a:pPr lvl="1"/>
+            <a:r>
+              <a:rPr lang="en-US" sz="2400" dirty="0"/>
+              <a:t>Containers will persist until explicitly deleted</a:t>
+            </a:r>
+          </a:p>
+          <a:p>
+            <a:r>
+              <a:rPr lang="en-US" sz="2800" dirty="0"/>
+              <a:t>Connect to container from:</a:t>
+            </a:r>
+          </a:p>
+          <a:p>
+            <a:pPr lvl="1"/>
+            <a:r>
+              <a:rPr lang="en-US" sz="2400" dirty="0"/>
+              <a:t>Web browser</a:t>
+            </a:r>
+          </a:p>
+          <a:p>
+            <a:pPr lvl="1"/>
+            <a:r>
+              <a:rPr lang="en-US" sz="2400" dirty="0"/>
+              <a:t>Command line</a:t>
+            </a:r>
+          </a:p>
+          <a:p>
+            <a:pPr lvl="1"/>
+            <a:r>
+              <a:rPr lang="en-US" sz="2400" dirty="0"/>
+              <a:t>Desktop app: VS Code, JetBrains, </a:t>
+            </a:r>
+            <a:r>
+              <a:rPr lang="en-US" sz="2400" dirty="0" err="1"/>
+              <a:t>Jupyter</a:t>
+            </a:r>
+            <a:endParaRPr lang="en-US" sz="2400" dirty="0"/>
           </a:p>
         </p:txBody>
       </p:sp>
@@ -27857,7 +28335,7 @@
     </p:spTree>
     <p:extLst>
       <p:ext uri="{BB962C8B-B14F-4D97-AF65-F5344CB8AC3E}">
-        <p14:creationId xmlns:p14="http://schemas.microsoft.com/office/powerpoint/2010/main" val="614867149"/>
+        <p14:creationId xmlns:p14="http://schemas.microsoft.com/office/powerpoint/2010/main" val="1184089763"/>
       </p:ext>
     </p:extLst>
   </p:cSld>
@@ -27919,7 +28397,7 @@
           <a:p>
             <a:r>
               <a:rPr lang="en-US" dirty="0"/>
-              <a:t>GitHub Codespaces – Why use them</a:t>
+              <a:t>GitHub Codespaces</a:t>
             </a:r>
           </a:p>
         </p:txBody>
@@ -27942,73 +28420,20 @@
         </p:nvSpPr>
         <p:spPr>
           <a:xfrm>
-            <a:off x="444499" y="1296954"/>
-            <a:ext cx="10912765" cy="4629795"/>
+            <a:off x="444499" y="2847109"/>
+            <a:ext cx="10912765" cy="3490188"/>
           </a:xfrm>
         </p:spPr>
         <p:txBody>
           <a:bodyPr/>
           <a:lstStyle/>
           <a:p>
+            <a:pPr marL="0" indent="0" algn="ctr">
+              <a:buNone/>
+            </a:pPr>
             <a:r>
-              <a:rPr lang="en-US" sz="2400" dirty="0"/>
-              <a:t>Local machine is under-resourced</a:t>
-            </a:r>
-          </a:p>
-          <a:p>
-            <a:r>
-              <a:rPr lang="en-US" sz="2400" dirty="0"/>
-              <a:t>Work from any device with a web browser</a:t>
-            </a:r>
-          </a:p>
-          <a:p>
-            <a:r>
-              <a:rPr lang="en-US" sz="2400" dirty="0"/>
-              <a:t>Do not need to clone the repo to your local machine</a:t>
-            </a:r>
-          </a:p>
-          <a:p>
-            <a:r>
-              <a:rPr lang="en-US" sz="2400" dirty="0"/>
-              <a:t>Pick up where you left off on another device without committing code</a:t>
-            </a:r>
-          </a:p>
-          <a:p>
-            <a:pPr lvl="1"/>
-            <a:r>
-              <a:rPr lang="en-US" sz="2200" dirty="0"/>
-              <a:t>Try to treat them as ephemeral though</a:t>
-            </a:r>
-          </a:p>
-          <a:p>
-            <a:r>
-              <a:rPr lang="en-US" sz="2400" dirty="0"/>
-              <a:t>Sandbox without a repo and not on your local machine</a:t>
-            </a:r>
-          </a:p>
-          <a:p>
-            <a:r>
-              <a:rPr lang="en-US" sz="2400" dirty="0"/>
-              <a:t>Templates to start from - </a:t>
-            </a:r>
-            <a:r>
-              <a:rPr lang="en-US" sz="2400" dirty="0">
-                <a:solidFill>
-                  <a:srgbClr val="00B0F0"/>
-                </a:solidFill>
-                <a:hlinkClick r:id="rId2">
-                  <a:extLst>
-                    <a:ext uri="{A12FA001-AC4F-418D-AE19-62706E023703}">
-                      <ahyp:hlinkClr xmlns:ahyp="http://schemas.microsoft.com/office/drawing/2018/hyperlinkcolor" val="tx"/>
-                    </a:ext>
-                  </a:extLst>
-                </a:hlinkClick>
-              </a:rPr>
-              <a:t>https://github.com/codespaces</a:t>
-            </a:r>
-            <a:r>
-              <a:rPr lang="en-US" sz="2400" dirty="0"/>
-              <a:t> </a:t>
+              <a:rPr lang="en-US" sz="6000" dirty="0"/>
+              <a:t>Demo</a:t>
             </a:r>
           </a:p>
         </p:txBody>
@@ -28046,7 +28471,7 @@
     </p:spTree>
     <p:extLst>
       <p:ext uri="{BB962C8B-B14F-4D97-AF65-F5344CB8AC3E}">
-        <p14:creationId xmlns:p14="http://schemas.microsoft.com/office/powerpoint/2010/main" val="705005166"/>
+        <p14:creationId xmlns:p14="http://schemas.microsoft.com/office/powerpoint/2010/main" val="614867149"/>
       </p:ext>
     </p:extLst>
   </p:cSld>
@@ -28146,8 +28571,8 @@
         </p:nvSpPr>
         <p:spPr>
           <a:xfrm>
-            <a:off x="603248" y="4754880"/>
-            <a:ext cx="7189932" cy="365760"/>
+            <a:off x="603247" y="4754879"/>
+            <a:ext cx="8392471" cy="484385"/>
           </a:xfrm>
         </p:spPr>
         <p:txBody>
@@ -28157,7 +28582,7 @@
           <a:lstStyle/>
           <a:p>
             <a:r>
-              <a:rPr lang="en-US" sz="2400" dirty="0"/>
+              <a:rPr lang="en-US" sz="2800" dirty="0"/>
               <a:t>Enhancing your team’s dev environment</a:t>
             </a:r>
           </a:p>
@@ -28258,7 +28683,96 @@
           <a:p>
             <a:r>
               <a:rPr lang="en-US" dirty="0"/>
-              <a:t>GitHub Codespaces – Gotchas</a:t>
+              <a:t>GitHub Codespaces – Why use them</a:t>
+            </a:r>
+          </a:p>
+        </p:txBody>
+      </p:sp>
+      <p:sp>
+        <p:nvSpPr>
+          <p:cNvPr id="10" name="Text Placeholder 9">
+            <a:extLst>
+              <a:ext uri="{FF2B5EF4-FFF2-40B4-BE49-F238E27FC236}">
+                <a16:creationId xmlns:a16="http://schemas.microsoft.com/office/drawing/2014/main" id="{EF2BC084-E6DB-4DE7-B309-042A85EBA700}"/>
+              </a:ext>
+            </a:extLst>
+          </p:cNvPr>
+          <p:cNvSpPr>
+            <a:spLocks noGrp="1"/>
+          </p:cNvSpPr>
+          <p:nvPr>
+            <p:ph type="body" sz="quarter" idx="13"/>
+          </p:nvPr>
+        </p:nvSpPr>
+        <p:spPr>
+          <a:xfrm>
+            <a:off x="444499" y="1914802"/>
+            <a:ext cx="11479771" cy="4201794"/>
+          </a:xfrm>
+        </p:spPr>
+        <p:txBody>
+          <a:bodyPr/>
+          <a:lstStyle/>
+          <a:p>
+            <a:r>
+              <a:rPr lang="en-US" sz="2800" dirty="0"/>
+              <a:t>Local machine is under-resourced</a:t>
+            </a:r>
+          </a:p>
+          <a:p>
+            <a:r>
+              <a:rPr lang="en-US" sz="2800" dirty="0"/>
+              <a:t>Work from any device with a web browser</a:t>
+            </a:r>
+          </a:p>
+          <a:p>
+            <a:r>
+              <a:rPr lang="en-US" sz="2800" dirty="0"/>
+              <a:t>Do not need to clone the repo to your local machine</a:t>
+            </a:r>
+          </a:p>
+          <a:p>
+            <a:r>
+              <a:rPr lang="en-US" sz="2800" dirty="0"/>
+              <a:t>Pick up where you left off on another device without committing code</a:t>
+            </a:r>
+          </a:p>
+          <a:p>
+            <a:pPr lvl="1"/>
+            <a:r>
+              <a:rPr lang="en-US" sz="2400" dirty="0"/>
+              <a:t>Try to treat them as ephemeral though</a:t>
+            </a:r>
+          </a:p>
+          <a:p>
+            <a:r>
+              <a:rPr lang="en-US" sz="2800" dirty="0"/>
+              <a:t>Sandbox without a repo and not on your local machine</a:t>
+            </a:r>
+          </a:p>
+          <a:p>
+            <a:r>
+              <a:rPr lang="en-US" sz="2800" dirty="0"/>
+              <a:t>Templates to start from - </a:t>
+            </a:r>
+            <a:r>
+              <a:rPr lang="en-US" sz="2800" dirty="0">
+                <a:solidFill>
+                  <a:srgbClr val="00B0F0"/>
+                </a:solidFill>
+                <a:hlinkClick r:id="rId2">
+                  <a:extLst>
+                    <a:ext uri="{A12FA001-AC4F-418D-AE19-62706E023703}">
+                      <ahyp:hlinkClr xmlns:ahyp="http://schemas.microsoft.com/office/drawing/2018/hyperlinkcolor" val="tx"/>
+                    </a:ext>
+                  </a:extLst>
+                </a:hlinkClick>
+              </a:rPr>
+              <a:t>https://github.com/codespaces</a:t>
+            </a:r>
+            <a:r>
+              <a:rPr lang="en-US" sz="2800" dirty="0"/>
+              <a:t> </a:t>
             </a:r>
           </a:p>
         </p:txBody>
@@ -28288,6 +28802,106 @@
               <a:rPr lang="en-US" smtClean="0"/>
               <a:pPr/>
               <a:t>20</a:t>
+            </a:fld>
+            <a:endParaRPr lang="en-US" dirty="0"/>
+          </a:p>
+        </p:txBody>
+      </p:sp>
+    </p:spTree>
+    <p:extLst>
+      <p:ext uri="{BB962C8B-B14F-4D97-AF65-F5344CB8AC3E}">
+        <p14:creationId xmlns:p14="http://schemas.microsoft.com/office/powerpoint/2010/main" val="705005166"/>
+      </p:ext>
+    </p:extLst>
+  </p:cSld>
+  <p:clrMapOvr>
+    <a:masterClrMapping/>
+  </p:clrMapOvr>
+  <mc:AlternateContent xmlns:mc="http://schemas.openxmlformats.org/markup-compatibility/2006" xmlns:p14="http://schemas.microsoft.com/office/powerpoint/2010/main">
+    <mc:Choice Requires="p14">
+      <p:transition spd="med" p14:dur="700">
+        <p:fade/>
+      </p:transition>
+    </mc:Choice>
+    <mc:Fallback xmlns="">
+      <p:transition spd="med">
+        <p:fade/>
+      </p:transition>
+    </mc:Fallback>
+  </mc:AlternateContent>
+</p:sld>
+</file>
+
+<file path=ppt/slides/slide21.xml><?xml version="1.0" encoding="utf-8"?>
+<p:sld xmlns:a="http://schemas.openxmlformats.org/drawingml/2006/main" xmlns:r="http://schemas.openxmlformats.org/officeDocument/2006/relationships" xmlns:p="http://schemas.openxmlformats.org/presentationml/2006/main">
+  <p:cSld>
+    <p:spTree>
+      <p:nvGrpSpPr>
+        <p:cNvPr id="1" name=""/>
+        <p:cNvGrpSpPr/>
+        <p:nvPr/>
+      </p:nvGrpSpPr>
+      <p:grpSpPr>
+        <a:xfrm>
+          <a:off x="0" y="0"/>
+          <a:ext cx="0" cy="0"/>
+          <a:chOff x="0" y="0"/>
+          <a:chExt cx="0" cy="0"/>
+        </a:xfrm>
+      </p:grpSpPr>
+      <p:sp>
+        <p:nvSpPr>
+          <p:cNvPr id="7" name="Title 6">
+            <a:extLst>
+              <a:ext uri="{FF2B5EF4-FFF2-40B4-BE49-F238E27FC236}">
+                <a16:creationId xmlns:a16="http://schemas.microsoft.com/office/drawing/2014/main" id="{7875C19A-1AAE-476A-A316-A2CF92D763D3}"/>
+              </a:ext>
+            </a:extLst>
+          </p:cNvPr>
+          <p:cNvSpPr>
+            <a:spLocks noGrp="1"/>
+          </p:cNvSpPr>
+          <p:nvPr>
+            <p:ph type="title"/>
+          </p:nvPr>
+        </p:nvSpPr>
+        <p:spPr/>
+        <p:txBody>
+          <a:bodyPr/>
+          <a:lstStyle/>
+          <a:p>
+            <a:r>
+              <a:rPr lang="en-US" dirty="0"/>
+              <a:t>GitHub Codespaces – Gotchas</a:t>
+            </a:r>
+          </a:p>
+        </p:txBody>
+      </p:sp>
+      <p:sp>
+        <p:nvSpPr>
+          <p:cNvPr id="2" name="Slide Number Placeholder 1">
+            <a:extLst>
+              <a:ext uri="{FF2B5EF4-FFF2-40B4-BE49-F238E27FC236}">
+                <a16:creationId xmlns:a16="http://schemas.microsoft.com/office/drawing/2014/main" id="{BE9800F6-D571-48C4-8466-12AA1ADB6599}"/>
+              </a:ext>
+            </a:extLst>
+          </p:cNvPr>
+          <p:cNvSpPr>
+            <a:spLocks noGrp="1"/>
+          </p:cNvSpPr>
+          <p:nvPr>
+            <p:ph type="sldNum" sz="quarter" idx="12"/>
+          </p:nvPr>
+        </p:nvSpPr>
+        <p:spPr/>
+        <p:txBody>
+          <a:bodyPr/>
+          <a:lstStyle/>
+          <a:p>
+            <a:fld id="{C263D6C4-4840-40CC-AC84-17E24B3B7BDE}" type="slidenum">
+              <a:rPr lang="en-US" smtClean="0"/>
+              <a:pPr/>
+              <a:t>21</a:t>
             </a:fld>
             <a:endParaRPr lang="en-US" dirty="0"/>
           </a:p>
@@ -28549,14 +29163,14 @@
               </a:spcAft>
             </a:pPr>
             <a:r>
-              <a:rPr lang="en-US" sz="2400" kern="1200" dirty="0">
+              <a:rPr lang="en-US" sz="2800" kern="1200" dirty="0">
                 <a:effectLst/>
                 <a:ea typeface="+mn-ea"/>
                 <a:cs typeface="+mn-cs"/>
               </a:rPr>
               <a:t>Browser keyboard shortcuts</a:t>
             </a:r>
-            <a:endParaRPr lang="en-US" sz="2400" dirty="0">
+            <a:endParaRPr lang="en-US" sz="2800" dirty="0">
               <a:effectLst/>
             </a:endParaRPr>
           </a:p>
@@ -28570,14 +29184,14 @@
               </a:spcAft>
             </a:pPr>
             <a:r>
-              <a:rPr lang="en-US" sz="2200" kern="1200" dirty="0">
+              <a:rPr lang="en-US" sz="2400" kern="1200" dirty="0">
                 <a:effectLst/>
                 <a:ea typeface="+mn-ea"/>
                 <a:cs typeface="+mn-cs"/>
               </a:rPr>
               <a:t>Ctrl + Shift + P, etc.</a:t>
             </a:r>
-            <a:endParaRPr lang="en-US" sz="2200" dirty="0">
+            <a:endParaRPr lang="en-US" sz="2400" dirty="0">
               <a:effectLst/>
             </a:endParaRPr>
           </a:p>
@@ -28587,220 +29201,6 @@
     <p:extLst>
       <p:ext uri="{BB962C8B-B14F-4D97-AF65-F5344CB8AC3E}">
         <p14:creationId xmlns:p14="http://schemas.microsoft.com/office/powerpoint/2010/main" val="2459257076"/>
-      </p:ext>
-    </p:extLst>
-  </p:cSld>
-  <p:clrMapOvr>
-    <a:masterClrMapping/>
-  </p:clrMapOvr>
-  <mc:AlternateContent xmlns:mc="http://schemas.openxmlformats.org/markup-compatibility/2006" xmlns:p14="http://schemas.microsoft.com/office/powerpoint/2010/main">
-    <mc:Choice Requires="p14">
-      <p:transition spd="med" p14:dur="700">
-        <p:fade/>
-      </p:transition>
-    </mc:Choice>
-    <mc:Fallback xmlns="">
-      <p:transition spd="med">
-        <p:fade/>
-      </p:transition>
-    </mc:Fallback>
-  </mc:AlternateContent>
-</p:sld>
-</file>
-
-<file path=ppt/slides/slide21.xml><?xml version="1.0" encoding="utf-8"?>
-<p:sld xmlns:a="http://schemas.openxmlformats.org/drawingml/2006/main" xmlns:r="http://schemas.openxmlformats.org/officeDocument/2006/relationships" xmlns:p="http://schemas.openxmlformats.org/presentationml/2006/main">
-  <p:cSld>
-    <p:spTree>
-      <p:nvGrpSpPr>
-        <p:cNvPr id="1" name=""/>
-        <p:cNvGrpSpPr/>
-        <p:nvPr/>
-      </p:nvGrpSpPr>
-      <p:grpSpPr>
-        <a:xfrm>
-          <a:off x="0" y="0"/>
-          <a:ext cx="0" cy="0"/>
-          <a:chOff x="0" y="0"/>
-          <a:chExt cx="0" cy="0"/>
-        </a:xfrm>
-      </p:grpSpPr>
-      <p:sp>
-        <p:nvSpPr>
-          <p:cNvPr id="7" name="Title 6">
-            <a:extLst>
-              <a:ext uri="{FF2B5EF4-FFF2-40B4-BE49-F238E27FC236}">
-                <a16:creationId xmlns:a16="http://schemas.microsoft.com/office/drawing/2014/main" id="{7875C19A-1AAE-476A-A316-A2CF92D763D3}"/>
-              </a:ext>
-            </a:extLst>
-          </p:cNvPr>
-          <p:cNvSpPr>
-            <a:spLocks noGrp="1"/>
-          </p:cNvSpPr>
-          <p:nvPr>
-            <p:ph type="title"/>
-          </p:nvPr>
-        </p:nvSpPr>
-        <p:spPr/>
-        <p:txBody>
-          <a:bodyPr/>
-          <a:lstStyle/>
-          <a:p>
-            <a:r>
-              <a:rPr lang="en-US" dirty="0"/>
-              <a:t>GitHub Codespaces – Cleanup</a:t>
-            </a:r>
-          </a:p>
-        </p:txBody>
-      </p:sp>
-      <p:sp>
-        <p:nvSpPr>
-          <p:cNvPr id="2" name="Slide Number Placeholder 1">
-            <a:extLst>
-              <a:ext uri="{FF2B5EF4-FFF2-40B4-BE49-F238E27FC236}">
-                <a16:creationId xmlns:a16="http://schemas.microsoft.com/office/drawing/2014/main" id="{BE9800F6-D571-48C4-8466-12AA1ADB6599}"/>
-              </a:ext>
-            </a:extLst>
-          </p:cNvPr>
-          <p:cNvSpPr>
-            <a:spLocks noGrp="1"/>
-          </p:cNvSpPr>
-          <p:nvPr>
-            <p:ph type="sldNum" sz="quarter" idx="12"/>
-          </p:nvPr>
-        </p:nvSpPr>
-        <p:spPr/>
-        <p:txBody>
-          <a:bodyPr/>
-          <a:lstStyle/>
-          <a:p>
-            <a:fld id="{C263D6C4-4840-40CC-AC84-17E24B3B7BDE}" type="slidenum">
-              <a:rPr lang="en-US" smtClean="0"/>
-              <a:pPr/>
-              <a:t>21</a:t>
-            </a:fld>
-            <a:endParaRPr lang="en-US" dirty="0"/>
-          </a:p>
-        </p:txBody>
-      </p:sp>
-      <p:sp>
-        <p:nvSpPr>
-          <p:cNvPr id="6" name="Text Placeholder 9">
-            <a:extLst>
-              <a:ext uri="{FF2B5EF4-FFF2-40B4-BE49-F238E27FC236}">
-                <a16:creationId xmlns:a16="http://schemas.microsoft.com/office/drawing/2014/main" id="{C70A185B-7C79-4D87-17EA-31E5D7894B85}"/>
-              </a:ext>
-            </a:extLst>
-          </p:cNvPr>
-          <p:cNvSpPr>
-            <a:spLocks noGrp="1"/>
-          </p:cNvSpPr>
-          <p:nvPr>
-            <p:ph type="body" sz="quarter" idx="13"/>
-          </p:nvPr>
-        </p:nvSpPr>
-        <p:spPr>
-          <a:xfrm>
-            <a:off x="444499" y="1282482"/>
-            <a:ext cx="10912765" cy="2232505"/>
-          </a:xfrm>
-        </p:spPr>
-        <p:txBody>
-          <a:bodyPr/>
-          <a:lstStyle/>
-          <a:p>
-            <a:r>
-              <a:rPr lang="en-US" sz="2400" dirty="0"/>
-              <a:t>Stop your Codespaces when done with them</a:t>
-            </a:r>
-          </a:p>
-          <a:p>
-            <a:pPr lvl="1"/>
-            <a:r>
-              <a:rPr lang="en-US" sz="2000" dirty="0"/>
-              <a:t>Defaults to stop after 30 minutes of inactivity (</a:t>
-            </a:r>
-            <a:r>
-              <a:rPr lang="en-US" sz="2000" dirty="0">
-                <a:solidFill>
-                  <a:srgbClr val="00B0F0"/>
-                </a:solidFill>
-                <a:hlinkClick r:id="rId2">
-                  <a:extLst>
-                    <a:ext uri="{A12FA001-AC4F-418D-AE19-62706E023703}">
-                      <ahyp:hlinkClr xmlns:ahyp="http://schemas.microsoft.com/office/drawing/2018/hyperlinkcolor" val="tx"/>
-                    </a:ext>
-                  </a:extLst>
-                </a:hlinkClick>
-              </a:rPr>
-              <a:t>docs</a:t>
-            </a:r>
-            <a:r>
-              <a:rPr lang="en-US" sz="2000" dirty="0"/>
-              <a:t>)</a:t>
-            </a:r>
-          </a:p>
-          <a:p>
-            <a:r>
-              <a:rPr lang="en-US" sz="2200" dirty="0"/>
-              <a:t>View all your Codespaces at </a:t>
-            </a:r>
-            <a:r>
-              <a:rPr lang="en-US" sz="2200" dirty="0">
-                <a:solidFill>
-                  <a:srgbClr val="00B0F0"/>
-                </a:solidFill>
-                <a:hlinkClick r:id="rId3">
-                  <a:extLst>
-                    <a:ext uri="{A12FA001-AC4F-418D-AE19-62706E023703}">
-                      <ahyp:hlinkClr xmlns:ahyp="http://schemas.microsoft.com/office/drawing/2018/hyperlinkcolor" val="tx"/>
-                    </a:ext>
-                  </a:extLst>
-                </a:hlinkClick>
-              </a:rPr>
-              <a:t>https://github.com/codespaces</a:t>
-            </a:r>
-            <a:r>
-              <a:rPr lang="en-US" sz="2200" dirty="0"/>
-              <a:t> </a:t>
-            </a:r>
-          </a:p>
-        </p:txBody>
-      </p:sp>
-      <p:pic>
-        <p:nvPicPr>
-          <p:cNvPr id="5" name="Picture 4">
-            <a:extLst>
-              <a:ext uri="{FF2B5EF4-FFF2-40B4-BE49-F238E27FC236}">
-                <a16:creationId xmlns:a16="http://schemas.microsoft.com/office/drawing/2014/main" id="{326DC764-ECFD-BB1B-392E-F3224A0F6497}"/>
-              </a:ext>
-            </a:extLst>
-          </p:cNvPr>
-          <p:cNvPicPr>
-            <a:picLocks noChangeAspect="1"/>
-          </p:cNvPicPr>
-          <p:nvPr/>
-        </p:nvPicPr>
-        <p:blipFill>
-          <a:blip r:embed="rId4"/>
-          <a:stretch>
-            <a:fillRect/>
-          </a:stretch>
-        </p:blipFill>
-        <p:spPr>
-          <a:xfrm>
-            <a:off x="957580" y="2827972"/>
-            <a:ext cx="8826500" cy="3926843"/>
-          </a:xfrm>
-          <a:prstGeom prst="rect">
-            <a:avLst/>
-          </a:prstGeom>
-        </p:spPr>
-      </p:pic>
-    </p:spTree>
-    <p:extLst>
-      <p:ext uri="{BB962C8B-B14F-4D97-AF65-F5344CB8AC3E}">
-        <p14:creationId xmlns:p14="http://schemas.microsoft.com/office/powerpoint/2010/main" val="3701785224"/>
       </p:ext>
     </p:extLst>
   </p:cSld>
@@ -28862,149 +29262,7 @@
           <a:p>
             <a:r>
               <a:rPr lang="en-US" dirty="0"/>
-              <a:t>Things Not Covered Here</a:t>
-            </a:r>
-          </a:p>
-        </p:txBody>
-      </p:sp>
-      <p:sp>
-        <p:nvSpPr>
-          <p:cNvPr id="10" name="Text Placeholder 9">
-            <a:extLst>
-              <a:ext uri="{FF2B5EF4-FFF2-40B4-BE49-F238E27FC236}">
-                <a16:creationId xmlns:a16="http://schemas.microsoft.com/office/drawing/2014/main" id="{EF2BC084-E6DB-4DE7-B309-042A85EBA700}"/>
-              </a:ext>
-            </a:extLst>
-          </p:cNvPr>
-          <p:cNvSpPr>
-            <a:spLocks noGrp="1"/>
-          </p:cNvSpPr>
-          <p:nvPr>
-            <p:ph type="body" sz="quarter" idx="13"/>
-          </p:nvPr>
-        </p:nvSpPr>
-        <p:spPr>
-          <a:xfrm>
-            <a:off x="444499" y="1282482"/>
-            <a:ext cx="10912765" cy="5054815"/>
-          </a:xfrm>
-        </p:spPr>
-        <p:txBody>
-          <a:bodyPr/>
-          <a:lstStyle/>
-          <a:p>
-            <a:r>
-              <a:rPr lang="en-US" sz="2400" dirty="0"/>
-              <a:t>Dev Containers</a:t>
-            </a:r>
-          </a:p>
-          <a:p>
-            <a:pPr lvl="1"/>
-            <a:r>
-              <a:rPr lang="en-US" sz="2200" dirty="0"/>
-              <a:t>Can use docker-compose for multiple dev docker images</a:t>
-            </a:r>
-          </a:p>
-          <a:p>
-            <a:pPr lvl="2"/>
-            <a:r>
-              <a:rPr lang="en-US" sz="2000" dirty="0">
-                <a:solidFill>
-                  <a:srgbClr val="00B0F0"/>
-                </a:solidFill>
-                <a:hlinkClick r:id="rId2">
-                  <a:extLst>
-                    <a:ext uri="{A12FA001-AC4F-418D-AE19-62706E023703}">
-                      <ahyp:hlinkClr xmlns:ahyp="http://schemas.microsoft.com/office/drawing/2018/hyperlinkcolor" val="tx"/>
-                    </a:ext>
-                  </a:extLst>
-                </a:hlinkClick>
-              </a:rPr>
-              <a:t>https://containers.dev/guide/dockerfile</a:t>
-            </a:r>
-            <a:r>
-              <a:rPr lang="en-US" sz="2000" dirty="0"/>
-              <a:t> </a:t>
-            </a:r>
-          </a:p>
-          <a:p>
-            <a:pPr lvl="1"/>
-            <a:r>
-              <a:rPr lang="en-US" sz="2200" dirty="0"/>
-              <a:t>Can have multiple Dev Containers defined</a:t>
-            </a:r>
-            <a:endParaRPr lang="en-US" sz="2000" dirty="0"/>
-          </a:p>
-          <a:p>
-            <a:pPr lvl="2"/>
-            <a:r>
-              <a:rPr lang="en-US" sz="2000" dirty="0"/>
-              <a:t>.</a:t>
-            </a:r>
-            <a:r>
-              <a:rPr lang="en-US" sz="2000" dirty="0" err="1"/>
-              <a:t>devcontainer</a:t>
-            </a:r>
-            <a:r>
-              <a:rPr lang="en-US" sz="2000" dirty="0"/>
-              <a:t>/database-dev/</a:t>
-            </a:r>
-            <a:r>
-              <a:rPr lang="en-US" sz="2000" dirty="0" err="1"/>
-              <a:t>devcontainer.json</a:t>
-            </a:r>
-            <a:endParaRPr lang="en-US" sz="2000" dirty="0"/>
-          </a:p>
-          <a:p>
-            <a:pPr lvl="2"/>
-            <a:r>
-              <a:rPr lang="en-US" sz="2000" dirty="0"/>
-              <a:t>.</a:t>
-            </a:r>
-            <a:r>
-              <a:rPr lang="en-US" sz="2000" dirty="0" err="1"/>
-              <a:t>devcontainer</a:t>
-            </a:r>
-            <a:r>
-              <a:rPr lang="en-US" sz="2000" dirty="0"/>
-              <a:t>/</a:t>
-            </a:r>
-            <a:r>
-              <a:rPr lang="en-US" sz="2000" dirty="0" err="1"/>
-              <a:t>gui</a:t>
-            </a:r>
-            <a:r>
-              <a:rPr lang="en-US" sz="2000" dirty="0"/>
-              <a:t>-dev/</a:t>
-            </a:r>
-            <a:r>
-              <a:rPr lang="en-US" sz="2000" dirty="0" err="1"/>
-              <a:t>devcontainer.json</a:t>
-            </a:r>
-            <a:endParaRPr lang="en-US" sz="2000" dirty="0"/>
-          </a:p>
-          <a:p>
-            <a:pPr lvl="1"/>
-            <a:r>
-              <a:rPr lang="en-US" sz="2200" dirty="0"/>
-              <a:t>How to use the Dev Container CLI without VS Code</a:t>
-            </a:r>
-          </a:p>
-          <a:p>
-            <a:pPr lvl="1"/>
-            <a:endParaRPr lang="en-US" sz="2200" dirty="0"/>
-          </a:p>
-          <a:p>
-            <a:r>
-              <a:rPr lang="en-US" sz="2400" dirty="0"/>
-              <a:t>GitHub Codespaces</a:t>
-            </a:r>
-          </a:p>
-          <a:p>
-            <a:pPr lvl="1"/>
-            <a:r>
-              <a:rPr lang="en-US" sz="2200" dirty="0"/>
-              <a:t>Connecting to containers via command line and other IDEs</a:t>
+              <a:t>GitHub Codespaces – Cleanup</a:t>
             </a:r>
           </a:p>
         </p:txBody>
@@ -29039,10 +29297,124 @@
           </a:p>
         </p:txBody>
       </p:sp>
+      <p:sp>
+        <p:nvSpPr>
+          <p:cNvPr id="6" name="Text Placeholder 9">
+            <a:extLst>
+              <a:ext uri="{FF2B5EF4-FFF2-40B4-BE49-F238E27FC236}">
+                <a16:creationId xmlns:a16="http://schemas.microsoft.com/office/drawing/2014/main" id="{C70A185B-7C79-4D87-17EA-31E5D7894B85}"/>
+              </a:ext>
+            </a:extLst>
+          </p:cNvPr>
+          <p:cNvSpPr>
+            <a:spLocks noGrp="1"/>
+          </p:cNvSpPr>
+          <p:nvPr>
+            <p:ph type="body" sz="quarter" idx="13"/>
+          </p:nvPr>
+        </p:nvSpPr>
+        <p:spPr>
+          <a:xfrm>
+            <a:off x="444499" y="1504907"/>
+            <a:ext cx="10912765" cy="2232505"/>
+          </a:xfrm>
+        </p:spPr>
+        <p:txBody>
+          <a:bodyPr/>
+          <a:lstStyle/>
+          <a:p>
+            <a:r>
+              <a:rPr lang="en-US" sz="2800" dirty="0"/>
+              <a:t>Stop your Codespaces when done with them</a:t>
+            </a:r>
+          </a:p>
+          <a:p>
+            <a:pPr lvl="1"/>
+            <a:r>
+              <a:rPr lang="en-US" sz="2400" dirty="0"/>
+              <a:t>Defaults to stop after 30 minutes of inactivity (</a:t>
+            </a:r>
+            <a:r>
+              <a:rPr lang="en-US" sz="2400" dirty="0">
+                <a:solidFill>
+                  <a:srgbClr val="00B0F0"/>
+                </a:solidFill>
+                <a:hlinkClick r:id="rId2">
+                  <a:extLst>
+                    <a:ext uri="{A12FA001-AC4F-418D-AE19-62706E023703}">
+                      <ahyp:hlinkClr xmlns:ahyp="http://schemas.microsoft.com/office/drawing/2018/hyperlinkcolor" val="tx"/>
+                    </a:ext>
+                  </a:extLst>
+                </a:hlinkClick>
+              </a:rPr>
+              <a:t>docs</a:t>
+            </a:r>
+            <a:r>
+              <a:rPr lang="en-US" sz="2400" dirty="0"/>
+              <a:t>)</a:t>
+            </a:r>
+          </a:p>
+          <a:p>
+            <a:r>
+              <a:rPr lang="en-US" sz="2800" dirty="0"/>
+              <a:t>View your Codespaces at </a:t>
+            </a:r>
+            <a:r>
+              <a:rPr lang="en-US" sz="2800" dirty="0">
+                <a:solidFill>
+                  <a:srgbClr val="00B0F0"/>
+                </a:solidFill>
+                <a:hlinkClick r:id="rId3">
+                  <a:extLst>
+                    <a:ext uri="{A12FA001-AC4F-418D-AE19-62706E023703}">
+                      <ahyp:hlinkClr xmlns:ahyp="http://schemas.microsoft.com/office/drawing/2018/hyperlinkcolor" val="tx"/>
+                    </a:ext>
+                  </a:extLst>
+                </a:hlinkClick>
+              </a:rPr>
+              <a:t>https://github.com/codespaces</a:t>
+            </a:r>
+            <a:r>
+              <a:rPr lang="en-US" sz="2800" dirty="0"/>
+              <a:t> </a:t>
+            </a:r>
+          </a:p>
+        </p:txBody>
+      </p:sp>
+      <p:pic>
+        <p:nvPicPr>
+          <p:cNvPr id="5" name="Picture 4">
+            <a:extLst>
+              <a:ext uri="{FF2B5EF4-FFF2-40B4-BE49-F238E27FC236}">
+                <a16:creationId xmlns:a16="http://schemas.microsoft.com/office/drawing/2014/main" id="{326DC764-ECFD-BB1B-392E-F3224A0F6497}"/>
+              </a:ext>
+            </a:extLst>
+          </p:cNvPr>
+          <p:cNvPicPr>
+            <a:picLocks noChangeAspect="1"/>
+          </p:cNvPicPr>
+          <p:nvPr/>
+        </p:nvPicPr>
+        <p:blipFill>
+          <a:blip r:embed="rId4"/>
+          <a:stretch>
+            <a:fillRect/>
+          </a:stretch>
+        </p:blipFill>
+        <p:spPr>
+          <a:xfrm>
+            <a:off x="1519881" y="3078136"/>
+            <a:ext cx="8264199" cy="3676680"/>
+          </a:xfrm>
+          <a:prstGeom prst="rect">
+            <a:avLst/>
+          </a:prstGeom>
+        </p:spPr>
+      </p:pic>
     </p:spTree>
     <p:extLst>
       <p:ext uri="{BB962C8B-B14F-4D97-AF65-F5344CB8AC3E}">
-        <p14:creationId xmlns:p14="http://schemas.microsoft.com/office/powerpoint/2010/main" val="1621486978"/>
+        <p14:creationId xmlns:p14="http://schemas.microsoft.com/office/powerpoint/2010/main" val="3701785224"/>
       </p:ext>
     </p:extLst>
   </p:cSld>
@@ -29083,6 +29455,247 @@
       </p:grpSpPr>
       <p:sp>
         <p:nvSpPr>
+          <p:cNvPr id="7" name="Title 6">
+            <a:extLst>
+              <a:ext uri="{FF2B5EF4-FFF2-40B4-BE49-F238E27FC236}">
+                <a16:creationId xmlns:a16="http://schemas.microsoft.com/office/drawing/2014/main" id="{7875C19A-1AAE-476A-A316-A2CF92D763D3}"/>
+              </a:ext>
+            </a:extLst>
+          </p:cNvPr>
+          <p:cNvSpPr>
+            <a:spLocks noGrp="1"/>
+          </p:cNvSpPr>
+          <p:nvPr>
+            <p:ph type="title"/>
+          </p:nvPr>
+        </p:nvSpPr>
+        <p:spPr/>
+        <p:txBody>
+          <a:bodyPr/>
+          <a:lstStyle/>
+          <a:p>
+            <a:r>
+              <a:rPr lang="en-US" dirty="0"/>
+              <a:t>Things Not Covered Here</a:t>
+            </a:r>
+          </a:p>
+        </p:txBody>
+      </p:sp>
+      <p:sp>
+        <p:nvSpPr>
+          <p:cNvPr id="10" name="Text Placeholder 9">
+            <a:extLst>
+              <a:ext uri="{FF2B5EF4-FFF2-40B4-BE49-F238E27FC236}">
+                <a16:creationId xmlns:a16="http://schemas.microsoft.com/office/drawing/2014/main" id="{EF2BC084-E6DB-4DE7-B309-042A85EBA700}"/>
+              </a:ext>
+            </a:extLst>
+          </p:cNvPr>
+          <p:cNvSpPr>
+            <a:spLocks noGrp="1"/>
+          </p:cNvSpPr>
+          <p:nvPr>
+            <p:ph type="body" sz="quarter" idx="13"/>
+          </p:nvPr>
+        </p:nvSpPr>
+        <p:spPr>
+          <a:xfrm>
+            <a:off x="444499" y="1282482"/>
+            <a:ext cx="10912765" cy="5054815"/>
+          </a:xfrm>
+        </p:spPr>
+        <p:txBody>
+          <a:bodyPr/>
+          <a:lstStyle/>
+          <a:p>
+            <a:r>
+              <a:rPr lang="en-US" sz="2800" dirty="0"/>
+              <a:t>Dev Containers</a:t>
+            </a:r>
+          </a:p>
+          <a:p>
+            <a:pPr lvl="1"/>
+            <a:r>
+              <a:rPr lang="en-US" sz="2400" dirty="0"/>
+              <a:t>Can use docker-compose for multiple dev docker images</a:t>
+            </a:r>
+          </a:p>
+          <a:p>
+            <a:pPr lvl="2"/>
+            <a:r>
+              <a:rPr lang="en-US" sz="2400" dirty="0">
+                <a:solidFill>
+                  <a:srgbClr val="00B0F0"/>
+                </a:solidFill>
+                <a:hlinkClick r:id="rId2">
+                  <a:extLst>
+                    <a:ext uri="{A12FA001-AC4F-418D-AE19-62706E023703}">
+                      <ahyp:hlinkClr xmlns:ahyp="http://schemas.microsoft.com/office/drawing/2018/hyperlinkcolor" val="tx"/>
+                    </a:ext>
+                  </a:extLst>
+                </a:hlinkClick>
+              </a:rPr>
+              <a:t>https://containers.dev/guide/dockerfile</a:t>
+            </a:r>
+            <a:r>
+              <a:rPr lang="en-US" sz="2400" dirty="0"/>
+              <a:t> </a:t>
+            </a:r>
+          </a:p>
+          <a:p>
+            <a:pPr lvl="1"/>
+            <a:r>
+              <a:rPr lang="en-US" sz="2400" dirty="0"/>
+              <a:t>Can have multiple Dev Containers defined</a:t>
+            </a:r>
+          </a:p>
+          <a:p>
+            <a:pPr lvl="2"/>
+            <a:r>
+              <a:rPr lang="en-US" sz="2400" dirty="0"/>
+              <a:t>.</a:t>
+            </a:r>
+            <a:r>
+              <a:rPr lang="en-US" sz="2400" dirty="0" err="1"/>
+              <a:t>devcontainer</a:t>
+            </a:r>
+            <a:r>
+              <a:rPr lang="en-US" sz="2400" dirty="0"/>
+              <a:t>/database-dev/</a:t>
+            </a:r>
+            <a:r>
+              <a:rPr lang="en-US" sz="2400" dirty="0" err="1"/>
+              <a:t>devcontainer.json</a:t>
+            </a:r>
+            <a:endParaRPr lang="en-US" sz="2400" dirty="0"/>
+          </a:p>
+          <a:p>
+            <a:pPr lvl="2"/>
+            <a:r>
+              <a:rPr lang="en-US" sz="2400" dirty="0"/>
+              <a:t>.</a:t>
+            </a:r>
+            <a:r>
+              <a:rPr lang="en-US" sz="2400" dirty="0" err="1"/>
+              <a:t>devcontainer</a:t>
+            </a:r>
+            <a:r>
+              <a:rPr lang="en-US" sz="2400" dirty="0"/>
+              <a:t>/</a:t>
+            </a:r>
+            <a:r>
+              <a:rPr lang="en-US" sz="2400" dirty="0" err="1"/>
+              <a:t>gui</a:t>
+            </a:r>
+            <a:r>
+              <a:rPr lang="en-US" sz="2400" dirty="0"/>
+              <a:t>-dev/</a:t>
+            </a:r>
+            <a:r>
+              <a:rPr lang="en-US" sz="2400" dirty="0" err="1"/>
+              <a:t>devcontainer.json</a:t>
+            </a:r>
+            <a:endParaRPr lang="en-US" sz="2400" dirty="0"/>
+          </a:p>
+          <a:p>
+            <a:pPr lvl="1"/>
+            <a:r>
+              <a:rPr lang="en-US" sz="2400" dirty="0"/>
+              <a:t>How to use the Dev Container CLI without VS Code</a:t>
+            </a:r>
+          </a:p>
+          <a:p>
+            <a:pPr lvl="1"/>
+            <a:endParaRPr lang="en-US" sz="2200" dirty="0"/>
+          </a:p>
+          <a:p>
+            <a:r>
+              <a:rPr lang="en-US" sz="2800" dirty="0"/>
+              <a:t>GitHub Codespaces</a:t>
+            </a:r>
+          </a:p>
+          <a:p>
+            <a:pPr lvl="1"/>
+            <a:r>
+              <a:rPr lang="en-US" sz="2400" dirty="0"/>
+              <a:t>Connecting to containers via command line and other IDEs</a:t>
+            </a:r>
+          </a:p>
+        </p:txBody>
+      </p:sp>
+      <p:sp>
+        <p:nvSpPr>
+          <p:cNvPr id="2" name="Slide Number Placeholder 1">
+            <a:extLst>
+              <a:ext uri="{FF2B5EF4-FFF2-40B4-BE49-F238E27FC236}">
+                <a16:creationId xmlns:a16="http://schemas.microsoft.com/office/drawing/2014/main" id="{BE9800F6-D571-48C4-8466-12AA1ADB6599}"/>
+              </a:ext>
+            </a:extLst>
+          </p:cNvPr>
+          <p:cNvSpPr>
+            <a:spLocks noGrp="1"/>
+          </p:cNvSpPr>
+          <p:nvPr>
+            <p:ph type="sldNum" sz="quarter" idx="12"/>
+          </p:nvPr>
+        </p:nvSpPr>
+        <p:spPr/>
+        <p:txBody>
+          <a:bodyPr/>
+          <a:lstStyle/>
+          <a:p>
+            <a:fld id="{C263D6C4-4840-40CC-AC84-17E24B3B7BDE}" type="slidenum">
+              <a:rPr lang="en-US" smtClean="0"/>
+              <a:pPr/>
+              <a:t>23</a:t>
+            </a:fld>
+            <a:endParaRPr lang="en-US" dirty="0"/>
+          </a:p>
+        </p:txBody>
+      </p:sp>
+    </p:spTree>
+    <p:extLst>
+      <p:ext uri="{BB962C8B-B14F-4D97-AF65-F5344CB8AC3E}">
+        <p14:creationId xmlns:p14="http://schemas.microsoft.com/office/powerpoint/2010/main" val="1621486978"/>
+      </p:ext>
+    </p:extLst>
+  </p:cSld>
+  <p:clrMapOvr>
+    <a:masterClrMapping/>
+  </p:clrMapOvr>
+  <mc:AlternateContent xmlns:mc="http://schemas.openxmlformats.org/markup-compatibility/2006" xmlns:p14="http://schemas.microsoft.com/office/powerpoint/2010/main">
+    <mc:Choice Requires="p14">
+      <p:transition spd="med" p14:dur="700">
+        <p:fade/>
+      </p:transition>
+    </mc:Choice>
+    <mc:Fallback xmlns="">
+      <p:transition spd="med">
+        <p:fade/>
+      </p:transition>
+    </mc:Fallback>
+  </mc:AlternateContent>
+</p:sld>
+</file>
+
+<file path=ppt/slides/slide24.xml><?xml version="1.0" encoding="utf-8"?>
+<p:sld xmlns:a="http://schemas.openxmlformats.org/drawingml/2006/main" xmlns:r="http://schemas.openxmlformats.org/officeDocument/2006/relationships" xmlns:p="http://schemas.openxmlformats.org/presentationml/2006/main">
+  <p:cSld>
+    <p:spTree>
+      <p:nvGrpSpPr>
+        <p:cNvPr id="1" name=""/>
+        <p:cNvGrpSpPr/>
+        <p:nvPr/>
+      </p:nvGrpSpPr>
+      <p:grpSpPr>
+        <a:xfrm>
+          <a:off x="0" y="0"/>
+          <a:ext cx="0" cy="0"/>
+          <a:chOff x="0" y="0"/>
+          <a:chExt cx="0" cy="0"/>
+        </a:xfrm>
+      </p:grpSpPr>
+      <p:sp>
+        <p:nvSpPr>
           <p:cNvPr id="2" name="Title 1">
             <a:extLst>
               <a:ext uri="{FF2B5EF4-FFF2-40B4-BE49-F238E27FC236}">
@@ -29103,10 +29716,10 @@
           <a:lstStyle/>
           <a:p>
             <a:r>
-              <a:rPr lang="en-US" dirty="0"/>
+              <a:rPr lang="en-US" sz="6000" dirty="0"/>
               <a:t>Questions?</a:t>
             </a:r>
-            <a:endParaRPr lang="en-GB" dirty="0"/>
+            <a:endParaRPr lang="en-GB" sz="6000" dirty="0"/>
           </a:p>
         </p:txBody>
       </p:sp>
@@ -29166,7 +29779,7 @@
 </p:sld>
 </file>
 
-<file path=ppt/slides/slide24.xml><?xml version="1.0" encoding="utf-8"?>
+<file path=ppt/slides/slide25.xml><?xml version="1.0" encoding="utf-8"?>
 <p:sld xmlns:a="http://schemas.openxmlformats.org/drawingml/2006/main" xmlns:r="http://schemas.openxmlformats.org/officeDocument/2006/relationships" xmlns:p="http://schemas.openxmlformats.org/presentationml/2006/main">
   <p:cSld>
     <p:spTree>
@@ -29235,7 +29848,7 @@
             <a:fld id="{C263D6C4-4840-40CC-AC84-17E24B3B7BDE}" type="slidenum">
               <a:rPr lang="en-US" smtClean="0"/>
               <a:pPr/>
-              <a:t>24</a:t>
+              <a:t>25</a:t>
             </a:fld>
             <a:endParaRPr lang="en-US" dirty="0"/>
           </a:p>
@@ -29255,8 +29868,8 @@
         </p:nvSpPr>
         <p:spPr>
           <a:xfrm>
-            <a:off x="159392" y="1409350"/>
-            <a:ext cx="11794920" cy="5170646"/>
+            <a:off x="444500" y="1372278"/>
+            <a:ext cx="11509812" cy="5109091"/>
           </a:xfrm>
           <a:prstGeom prst="rect">
             <a:avLst/>
@@ -29270,7 +29883,7 @@
           <a:lstStyle/>
           <a:p>
             <a:r>
-              <a:rPr lang="en-US" sz="2400" dirty="0">
+              <a:rPr lang="en-US" sz="2800" dirty="0">
                 <a:solidFill>
                   <a:schemeClr val="bg1">
                     <a:lumMod val="95000"/>
@@ -29279,8 +29892,6 @@
               </a:rPr>
               <a:t>Dev Containers</a:t>
             </a:r>
-          </a:p>
-          <a:p>
             <a:endParaRPr lang="en-US" sz="2400" dirty="0">
               <a:solidFill>
                 <a:schemeClr val="bg1">
@@ -29291,7 +29902,7 @@
           </a:p>
           <a:p>
             <a:r>
-              <a:rPr lang="en-US" dirty="0">
+              <a:rPr lang="en-US" sz="2400" dirty="0">
                 <a:solidFill>
                   <a:srgbClr val="00B0F0"/>
                 </a:solidFill>
@@ -29306,7 +29917,7 @@
               <a:t>https://containers.dev</a:t>
             </a:r>
             <a:r>
-              <a:rPr lang="en-US" dirty="0">
+              <a:rPr lang="en-US" sz="2400" dirty="0">
                 <a:solidFill>
                   <a:srgbClr val="00B0F0"/>
                 </a:solidFill>
@@ -29315,7 +29926,7 @@
             </a:r>
           </a:p>
           <a:p>
-            <a:endParaRPr lang="en-US" dirty="0">
+            <a:endParaRPr lang="en-US" sz="2400" dirty="0">
               <a:solidFill>
                 <a:srgbClr val="00B0F0"/>
               </a:solidFill>
@@ -29323,7 +29934,7 @@
           </a:p>
           <a:p>
             <a:r>
-              <a:rPr lang="en-US" dirty="0">
+              <a:rPr lang="en-US" sz="2400" dirty="0">
                 <a:solidFill>
                   <a:srgbClr val="00B0F0"/>
                 </a:solidFill>
@@ -29338,7 +29949,7 @@
               <a:t>https://code.visualstudio.com/docs/devcontainers/containers</a:t>
             </a:r>
             <a:r>
-              <a:rPr lang="en-US" dirty="0">
+              <a:rPr lang="en-US" sz="2400" dirty="0">
                 <a:solidFill>
                   <a:srgbClr val="00B0F0"/>
                 </a:solidFill>
@@ -29347,7 +29958,7 @@
             </a:r>
           </a:p>
           <a:p>
-            <a:endParaRPr lang="en-US" dirty="0">
+            <a:endParaRPr lang="en-US" sz="2400" dirty="0">
               <a:solidFill>
                 <a:srgbClr val="00B0F0"/>
               </a:solidFill>
@@ -29355,7 +29966,7 @@
           </a:p>
           <a:p>
             <a:r>
-              <a:rPr lang="en-US" dirty="0">
+              <a:rPr lang="en-US" sz="2400" dirty="0">
                 <a:solidFill>
                   <a:srgbClr val="00B0F0"/>
                 </a:solidFill>
@@ -29370,7 +29981,7 @@
               <a:t>https://docs.github.com/en/codespaces/setting-up-your-project-for-codespaces/adding-a-dev-container-configuration/introduction-to-dev-containers</a:t>
             </a:r>
             <a:r>
-              <a:rPr lang="en-US" dirty="0">
+              <a:rPr lang="en-US" sz="2400" dirty="0">
                 <a:solidFill>
                   <a:srgbClr val="00B0F0"/>
                 </a:solidFill>
@@ -29379,11 +29990,11 @@
             </a:r>
           </a:p>
           <a:p>
-            <a:endParaRPr lang="en-US" dirty="0"/>
+            <a:endParaRPr lang="en-US" sz="2400" dirty="0"/>
           </a:p>
           <a:p>
             <a:r>
-              <a:rPr lang="en-US" dirty="0">
+              <a:rPr lang="en-US" sz="2400" dirty="0">
                 <a:solidFill>
                   <a:srgbClr val="00B0F0"/>
                 </a:solidFill>
@@ -29398,7 +30009,7 @@
               <a:t>https://www.daytona.io/dotfiles/ultimate-guide-to-dev-containers</a:t>
             </a:r>
             <a:r>
-              <a:rPr lang="en-US" dirty="0">
+              <a:rPr lang="en-US" sz="2400" dirty="0">
                 <a:solidFill>
                   <a:schemeClr val="bg1">
                     <a:lumMod val="95000"/>
@@ -29423,7 +30034,7 @@
           </a:p>
           <a:p>
             <a:r>
-              <a:rPr lang="en-US" sz="2400" dirty="0">
+              <a:rPr lang="en-US" sz="2800" dirty="0">
                 <a:solidFill>
                   <a:schemeClr val="bg1">
                     <a:lumMod val="95000"/>
@@ -29433,7 +30044,7 @@
               <a:t>GitHub </a:t>
             </a:r>
             <a:r>
-              <a:rPr lang="en-US" sz="2400" dirty="0" err="1">
+              <a:rPr lang="en-US" sz="2800" dirty="0" err="1">
                 <a:solidFill>
                   <a:schemeClr val="bg1">
                     <a:lumMod val="95000"/>
@@ -29451,26 +30062,14 @@
             </a:endParaRPr>
           </a:p>
           <a:p>
-            <a:endParaRPr lang="en-US" sz="2400" dirty="0">
-              <a:solidFill>
-                <a:schemeClr val="bg1">
-                  <a:lumMod val="95000"/>
-                </a:schemeClr>
-              </a:solidFill>
-            </a:endParaRPr>
-          </a:p>
-          <a:p>
             <a:r>
-              <a:rPr lang="en-US" dirty="0">
+              <a:rPr lang="en-US" sz="2400" dirty="0">
                 <a:solidFill>
                   <a:srgbClr val="00B0F0"/>
                 </a:solidFill>
               </a:rPr>
               <a:t>https://docs.github.com/en/codespaces/overview</a:t>
             </a:r>
-          </a:p>
-          <a:p>
-            <a:endParaRPr lang="en-US" dirty="0"/>
           </a:p>
           <a:p>
             <a:endParaRPr lang="en-US" dirty="0"/>
@@ -29490,7 +30089,7 @@
 </p:sld>
 </file>
 
-<file path=ppt/slides/slide25.xml><?xml version="1.0" encoding="utf-8"?>
+<file path=ppt/slides/slide26.xml><?xml version="1.0" encoding="utf-8"?>
 <p:sld xmlns:a="http://schemas.openxmlformats.org/drawingml/2006/main" xmlns:r="http://schemas.openxmlformats.org/officeDocument/2006/relationships" xmlns:p="http://schemas.openxmlformats.org/presentationml/2006/main">
   <p:cSld>
     <p:spTree>
@@ -29529,19 +30128,19 @@
           <a:lstStyle/>
           <a:p>
             <a:r>
-              <a:rPr lang="en-US" dirty="0"/>
+              <a:rPr lang="en-US" sz="6000" dirty="0"/>
               <a:t>Thank You!</a:t>
             </a:r>
-            <a:endParaRPr lang="en-GB" dirty="0"/>
+            <a:endParaRPr lang="en-GB" sz="6000" dirty="0"/>
           </a:p>
         </p:txBody>
       </p:sp>
       <p:sp>
         <p:nvSpPr>
-          <p:cNvPr id="3" name="TextBox 2">
+          <p:cNvPr id="5" name="TextBox 4">
             <a:extLst>
               <a:ext uri="{FF2B5EF4-FFF2-40B4-BE49-F238E27FC236}">
-                <a16:creationId xmlns:a16="http://schemas.microsoft.com/office/drawing/2014/main" id="{0E0640A7-53BB-B480-8C66-EE81895768BD}"/>
+                <a16:creationId xmlns:a16="http://schemas.microsoft.com/office/drawing/2014/main" id="{221190BC-3164-1215-8EC5-686FA31B1501}"/>
               </a:ext>
             </a:extLst>
           </p:cNvPr>
@@ -29550,8 +30149,8 @@
         </p:nvSpPr>
         <p:spPr>
           <a:xfrm>
-            <a:off x="6587412" y="5887617"/>
-            <a:ext cx="5115503" cy="461665"/>
+            <a:off x="823784" y="5874433"/>
+            <a:ext cx="11368216" cy="830997"/>
           </a:xfrm>
           <a:prstGeom prst="rect">
             <a:avLst/>
@@ -29559,7 +30158,7 @@
           <a:noFill/>
         </p:spPr>
         <p:txBody>
-          <a:bodyPr wrap="none" rtlCol="0">
+          <a:bodyPr wrap="square">
             <a:spAutoFit/>
           </a:bodyPr>
           <a:lstStyle/>
@@ -29567,10 +30166,22 @@
             <a:r>
               <a:rPr lang="en-US" sz="2400" dirty="0">
                 <a:solidFill>
-                  <a:schemeClr val="bg1"/>
+                  <a:schemeClr val="bg1">
+                    <a:lumMod val="95000"/>
+                  </a:schemeClr>
                 </a:solidFill>
               </a:rPr>
-              <a:t>Follow-up survey will be sent shortly</a:t>
+              <a:t>Slide Deck</a:t>
+            </a:r>
+          </a:p>
+          <a:p>
+            <a:r>
+              <a:rPr lang="en-US" sz="2400" dirty="0">
+                <a:solidFill>
+                  <a:srgbClr val="00B0F0"/>
+                </a:solidFill>
+              </a:rPr>
+              <a:t>https://github.com/deadlydog/Presentation.DevContainersAndGitHubCodespaces</a:t>
             </a:r>
           </a:p>
         </p:txBody>
@@ -29592,6 +30203,210 @@
 </file>
 
 <file path=ppt/slides/slide3.xml><?xml version="1.0" encoding="utf-8"?>
+<p:sld xmlns:a="http://schemas.openxmlformats.org/drawingml/2006/main" xmlns:r="http://schemas.openxmlformats.org/officeDocument/2006/relationships" xmlns:p="http://schemas.openxmlformats.org/presentationml/2006/main">
+  <p:cSld>
+    <p:spTree>
+      <p:nvGrpSpPr>
+        <p:cNvPr id="1" name=""/>
+        <p:cNvGrpSpPr/>
+        <p:nvPr/>
+      </p:nvGrpSpPr>
+      <p:grpSpPr>
+        <a:xfrm>
+          <a:off x="0" y="0"/>
+          <a:ext cx="0" cy="0"/>
+          <a:chOff x="0" y="0"/>
+          <a:chExt cx="0" cy="0"/>
+        </a:xfrm>
+      </p:grpSpPr>
+      <p:sp>
+        <p:nvSpPr>
+          <p:cNvPr id="7" name="Title 6">
+            <a:extLst>
+              <a:ext uri="{FF2B5EF4-FFF2-40B4-BE49-F238E27FC236}">
+                <a16:creationId xmlns:a16="http://schemas.microsoft.com/office/drawing/2014/main" id="{7875C19A-1AAE-476A-A316-A2CF92D763D3}"/>
+              </a:ext>
+            </a:extLst>
+          </p:cNvPr>
+          <p:cNvSpPr>
+            <a:spLocks noGrp="1"/>
+          </p:cNvSpPr>
+          <p:nvPr>
+            <p:ph type="title"/>
+          </p:nvPr>
+        </p:nvSpPr>
+        <p:spPr/>
+        <p:txBody>
+          <a:bodyPr/>
+          <a:lstStyle/>
+          <a:p>
+            <a:r>
+              <a:rPr lang="en-US" dirty="0"/>
+              <a:t>Overview</a:t>
+            </a:r>
+          </a:p>
+        </p:txBody>
+      </p:sp>
+      <p:sp>
+        <p:nvSpPr>
+          <p:cNvPr id="10" name="Text Placeholder 9">
+            <a:extLst>
+              <a:ext uri="{FF2B5EF4-FFF2-40B4-BE49-F238E27FC236}">
+                <a16:creationId xmlns:a16="http://schemas.microsoft.com/office/drawing/2014/main" id="{EF2BC084-E6DB-4DE7-B309-042A85EBA700}"/>
+              </a:ext>
+            </a:extLst>
+          </p:cNvPr>
+          <p:cNvSpPr>
+            <a:spLocks noGrp="1"/>
+          </p:cNvSpPr>
+          <p:nvPr>
+            <p:ph type="body" sz="quarter" idx="13"/>
+          </p:nvPr>
+        </p:nvSpPr>
+        <p:spPr>
+          <a:xfrm>
+            <a:off x="350981" y="1210957"/>
+            <a:ext cx="9873673" cy="5498759"/>
+          </a:xfrm>
+        </p:spPr>
+        <p:txBody>
+          <a:bodyPr/>
+          <a:lstStyle/>
+          <a:p>
+            <a:r>
+              <a:rPr lang="en-US" sz="2400" dirty="0"/>
+              <a:t>What are Dev Containers?</a:t>
+            </a:r>
+          </a:p>
+          <a:p>
+            <a:r>
+              <a:rPr lang="en-US" sz="2400" dirty="0"/>
+              <a:t>What does the code look like?</a:t>
+            </a:r>
+          </a:p>
+          <a:p>
+            <a:r>
+              <a:rPr lang="en-US" sz="2400" dirty="0"/>
+              <a:t>Why use them?</a:t>
+            </a:r>
+          </a:p>
+          <a:p>
+            <a:r>
+              <a:rPr lang="en-US" sz="2400" dirty="0"/>
+              <a:t>Demo</a:t>
+            </a:r>
+          </a:p>
+          <a:p>
+            <a:r>
+              <a:rPr lang="en-US" sz="2400" dirty="0"/>
+              <a:t>When to use them and limitations</a:t>
+            </a:r>
+          </a:p>
+          <a:p>
+            <a:r>
+              <a:rPr lang="en-US" sz="2400" dirty="0"/>
+              <a:t>Questions</a:t>
+            </a:r>
+          </a:p>
+          <a:p>
+            <a:endParaRPr lang="en-US" sz="2400" dirty="0"/>
+          </a:p>
+          <a:p>
+            <a:r>
+              <a:rPr lang="en-US" sz="2400" dirty="0"/>
+              <a:t>What are GitHub </a:t>
+            </a:r>
+            <a:r>
+              <a:rPr lang="en-US" sz="2400" dirty="0" err="1"/>
+              <a:t>Codespaces</a:t>
+            </a:r>
+            <a:r>
+              <a:rPr lang="en-US" sz="2400" dirty="0"/>
+              <a:t>?</a:t>
+            </a:r>
+          </a:p>
+          <a:p>
+            <a:r>
+              <a:rPr lang="en-US" sz="2400" dirty="0"/>
+              <a:t>Demo</a:t>
+            </a:r>
+          </a:p>
+          <a:p>
+            <a:r>
+              <a:rPr lang="en-US" sz="2400" dirty="0"/>
+              <a:t>Why use them and limitations</a:t>
+            </a:r>
+          </a:p>
+          <a:p>
+            <a:r>
+              <a:rPr lang="en-US" sz="2400" dirty="0"/>
+              <a:t>Questions</a:t>
+            </a:r>
+          </a:p>
+          <a:p>
+            <a:endParaRPr lang="en-US" sz="2400" dirty="0"/>
+          </a:p>
+          <a:p>
+            <a:endParaRPr lang="en-US" sz="2400" dirty="0"/>
+          </a:p>
+        </p:txBody>
+      </p:sp>
+      <p:sp>
+        <p:nvSpPr>
+          <p:cNvPr id="2" name="Slide Number Placeholder 1">
+            <a:extLst>
+              <a:ext uri="{FF2B5EF4-FFF2-40B4-BE49-F238E27FC236}">
+                <a16:creationId xmlns:a16="http://schemas.microsoft.com/office/drawing/2014/main" id="{BE9800F6-D571-48C4-8466-12AA1ADB6599}"/>
+              </a:ext>
+            </a:extLst>
+          </p:cNvPr>
+          <p:cNvSpPr>
+            <a:spLocks noGrp="1"/>
+          </p:cNvSpPr>
+          <p:nvPr>
+            <p:ph type="sldNum" sz="quarter" idx="12"/>
+          </p:nvPr>
+        </p:nvSpPr>
+        <p:spPr/>
+        <p:txBody>
+          <a:bodyPr/>
+          <a:lstStyle/>
+          <a:p>
+            <a:fld id="{C263D6C4-4840-40CC-AC84-17E24B3B7BDE}" type="slidenum">
+              <a:rPr lang="en-US" smtClean="0"/>
+              <a:pPr/>
+              <a:t>3</a:t>
+            </a:fld>
+            <a:endParaRPr lang="en-US" dirty="0"/>
+          </a:p>
+        </p:txBody>
+      </p:sp>
+    </p:spTree>
+    <p:extLst>
+      <p:ext uri="{BB962C8B-B14F-4D97-AF65-F5344CB8AC3E}">
+        <p14:creationId xmlns:p14="http://schemas.microsoft.com/office/powerpoint/2010/main" val="3393038546"/>
+      </p:ext>
+    </p:extLst>
+  </p:cSld>
+  <p:clrMapOvr>
+    <a:masterClrMapping/>
+  </p:clrMapOvr>
+  <mc:AlternateContent xmlns:mc="http://schemas.openxmlformats.org/markup-compatibility/2006" xmlns:p14="http://schemas.microsoft.com/office/powerpoint/2010/main">
+    <mc:Choice Requires="p14">
+      <p:transition spd="med" p14:dur="700">
+        <p:fade/>
+      </p:transition>
+    </mc:Choice>
+    <mc:Fallback xmlns="">
+      <p:transition spd="med">
+        <p:fade/>
+      </p:transition>
+    </mc:Fallback>
+  </mc:AlternateContent>
+</p:sld>
+</file>
+
+<file path=ppt/slides/slide4.xml><?xml version="1.0" encoding="utf-8"?>
 <p:sld xmlns:a="http://schemas.openxmlformats.org/drawingml/2006/main" xmlns:r="http://schemas.openxmlformats.org/officeDocument/2006/relationships" xmlns:p="http://schemas.openxmlformats.org/presentationml/2006/main">
   <p:cSld>
     <p:spTree>
@@ -29733,7 +30548,7 @@
             <a:fld id="{C263D6C4-4840-40CC-AC84-17E24B3B7BDE}" type="slidenum">
               <a:rPr lang="en-US" smtClean="0"/>
               <a:pPr/>
-              <a:t>3</a:t>
+              <a:t>4</a:t>
             </a:fld>
             <a:endParaRPr lang="en-US" dirty="0"/>
           </a:p>
@@ -29743,139 +30558,6 @@
     <p:extLst>
       <p:ext uri="{BB962C8B-B14F-4D97-AF65-F5344CB8AC3E}">
         <p14:creationId xmlns:p14="http://schemas.microsoft.com/office/powerpoint/2010/main" val="1577798990"/>
-      </p:ext>
-    </p:extLst>
-  </p:cSld>
-  <p:clrMapOvr>
-    <a:masterClrMapping/>
-  </p:clrMapOvr>
-  <mc:AlternateContent xmlns:mc="http://schemas.openxmlformats.org/markup-compatibility/2006" xmlns:p14="http://schemas.microsoft.com/office/powerpoint/2010/main">
-    <mc:Choice Requires="p14">
-      <p:transition spd="med" p14:dur="700">
-        <p:fade/>
-      </p:transition>
-    </mc:Choice>
-    <mc:Fallback xmlns="">
-      <p:transition spd="med">
-        <p:fade/>
-      </p:transition>
-    </mc:Fallback>
-  </mc:AlternateContent>
-</p:sld>
-</file>
-
-<file path=ppt/slides/slide4.xml><?xml version="1.0" encoding="utf-8"?>
-<p:sld xmlns:a="http://schemas.openxmlformats.org/drawingml/2006/main" xmlns:r="http://schemas.openxmlformats.org/officeDocument/2006/relationships" xmlns:p="http://schemas.openxmlformats.org/presentationml/2006/main">
-  <p:cSld>
-    <p:spTree>
-      <p:nvGrpSpPr>
-        <p:cNvPr id="1" name=""/>
-        <p:cNvGrpSpPr/>
-        <p:nvPr/>
-      </p:nvGrpSpPr>
-      <p:grpSpPr>
-        <a:xfrm>
-          <a:off x="0" y="0"/>
-          <a:ext cx="0" cy="0"/>
-          <a:chOff x="0" y="0"/>
-          <a:chExt cx="0" cy="0"/>
-        </a:xfrm>
-      </p:grpSpPr>
-      <p:sp>
-        <p:nvSpPr>
-          <p:cNvPr id="7" name="Title 6">
-            <a:extLst>
-              <a:ext uri="{FF2B5EF4-FFF2-40B4-BE49-F238E27FC236}">
-                <a16:creationId xmlns:a16="http://schemas.microsoft.com/office/drawing/2014/main" id="{7875C19A-1AAE-476A-A316-A2CF92D763D3}"/>
-              </a:ext>
-            </a:extLst>
-          </p:cNvPr>
-          <p:cNvSpPr>
-            <a:spLocks noGrp="1"/>
-          </p:cNvSpPr>
-          <p:nvPr>
-            <p:ph type="title"/>
-          </p:nvPr>
-        </p:nvSpPr>
-        <p:spPr/>
-        <p:txBody>
-          <a:bodyPr/>
-          <a:lstStyle/>
-          <a:p>
-            <a:r>
-              <a:rPr lang="en-US" dirty="0"/>
-              <a:t>Dev Containers – What are they</a:t>
-            </a:r>
-          </a:p>
-        </p:txBody>
-      </p:sp>
-      <p:sp>
-        <p:nvSpPr>
-          <p:cNvPr id="10" name="Text Placeholder 9">
-            <a:extLst>
-              <a:ext uri="{FF2B5EF4-FFF2-40B4-BE49-F238E27FC236}">
-                <a16:creationId xmlns:a16="http://schemas.microsoft.com/office/drawing/2014/main" id="{EF2BC084-E6DB-4DE7-B309-042A85EBA700}"/>
-              </a:ext>
-            </a:extLst>
-          </p:cNvPr>
-          <p:cNvSpPr>
-            <a:spLocks noGrp="1"/>
-          </p:cNvSpPr>
-          <p:nvPr>
-            <p:ph type="body" sz="quarter" idx="13"/>
-          </p:nvPr>
-        </p:nvSpPr>
-        <p:spPr>
-          <a:xfrm>
-            <a:off x="350981" y="2836718"/>
-            <a:ext cx="9873673" cy="2906669"/>
-          </a:xfrm>
-        </p:spPr>
-        <p:txBody>
-          <a:bodyPr/>
-          <a:lstStyle/>
-          <a:p>
-            <a:r>
-              <a:rPr lang="en-US" sz="2400" dirty="0"/>
-              <a:t>Develop (write code) inside of a Docker container, rather than using your local machine’s software</a:t>
-            </a:r>
-          </a:p>
-        </p:txBody>
-      </p:sp>
-      <p:sp>
-        <p:nvSpPr>
-          <p:cNvPr id="2" name="Slide Number Placeholder 1">
-            <a:extLst>
-              <a:ext uri="{FF2B5EF4-FFF2-40B4-BE49-F238E27FC236}">
-                <a16:creationId xmlns:a16="http://schemas.microsoft.com/office/drawing/2014/main" id="{BE9800F6-D571-48C4-8466-12AA1ADB6599}"/>
-              </a:ext>
-            </a:extLst>
-          </p:cNvPr>
-          <p:cNvSpPr>
-            <a:spLocks noGrp="1"/>
-          </p:cNvSpPr>
-          <p:nvPr>
-            <p:ph type="sldNum" sz="quarter" idx="12"/>
-          </p:nvPr>
-        </p:nvSpPr>
-        <p:spPr/>
-        <p:txBody>
-          <a:bodyPr/>
-          <a:lstStyle/>
-          <a:p>
-            <a:fld id="{C263D6C4-4840-40CC-AC84-17E24B3B7BDE}" type="slidenum">
-              <a:rPr lang="en-US" smtClean="0"/>
-              <a:pPr/>
-              <a:t>4</a:t>
-            </a:fld>
-            <a:endParaRPr lang="en-US" dirty="0"/>
-          </a:p>
-        </p:txBody>
-      </p:sp>
-    </p:spTree>
-    <p:extLst>
-      <p:ext uri="{BB962C8B-B14F-4D97-AF65-F5344CB8AC3E}">
-        <p14:creationId xmlns:p14="http://schemas.microsoft.com/office/powerpoint/2010/main" val="1198520751"/>
       </p:ext>
     </p:extLst>
   </p:cSld>
@@ -29916,6 +30598,67 @@
       </p:grpSpPr>
       <p:sp>
         <p:nvSpPr>
+          <p:cNvPr id="7" name="Title 6">
+            <a:extLst>
+              <a:ext uri="{FF2B5EF4-FFF2-40B4-BE49-F238E27FC236}">
+                <a16:creationId xmlns:a16="http://schemas.microsoft.com/office/drawing/2014/main" id="{7875C19A-1AAE-476A-A316-A2CF92D763D3}"/>
+              </a:ext>
+            </a:extLst>
+          </p:cNvPr>
+          <p:cNvSpPr>
+            <a:spLocks noGrp="1"/>
+          </p:cNvSpPr>
+          <p:nvPr>
+            <p:ph type="title"/>
+          </p:nvPr>
+        </p:nvSpPr>
+        <p:spPr/>
+        <p:txBody>
+          <a:bodyPr/>
+          <a:lstStyle/>
+          <a:p>
+            <a:r>
+              <a:rPr lang="en-US" dirty="0"/>
+              <a:t>Dev Containers – What are they</a:t>
+            </a:r>
+          </a:p>
+        </p:txBody>
+      </p:sp>
+      <p:sp>
+        <p:nvSpPr>
+          <p:cNvPr id="10" name="Text Placeholder 9">
+            <a:extLst>
+              <a:ext uri="{FF2B5EF4-FFF2-40B4-BE49-F238E27FC236}">
+                <a16:creationId xmlns:a16="http://schemas.microsoft.com/office/drawing/2014/main" id="{EF2BC084-E6DB-4DE7-B309-042A85EBA700}"/>
+              </a:ext>
+            </a:extLst>
+          </p:cNvPr>
+          <p:cNvSpPr>
+            <a:spLocks noGrp="1"/>
+          </p:cNvSpPr>
+          <p:nvPr>
+            <p:ph type="body" sz="quarter" idx="13"/>
+          </p:nvPr>
+        </p:nvSpPr>
+        <p:spPr>
+          <a:xfrm>
+            <a:off x="350981" y="2836718"/>
+            <a:ext cx="9873673" cy="2906669"/>
+          </a:xfrm>
+        </p:spPr>
+        <p:txBody>
+          <a:bodyPr/>
+          <a:lstStyle/>
+          <a:p>
+            <a:r>
+              <a:rPr lang="en-US" sz="2800" dirty="0"/>
+              <a:t>Develop (write code) inside of a Docker container, rather than using your local machine’s software</a:t>
+            </a:r>
+          </a:p>
+        </p:txBody>
+      </p:sp>
+      <p:sp>
+        <p:nvSpPr>
           <p:cNvPr id="2" name="Slide Number Placeholder 1">
             <a:extLst>
               <a:ext uri="{FF2B5EF4-FFF2-40B4-BE49-F238E27FC236}">
@@ -29944,40 +30687,10 @@
           </a:p>
         </p:txBody>
       </p:sp>
-      <p:pic>
-        <p:nvPicPr>
-          <p:cNvPr id="6" name="Picture 5" descr="A diagram of a product&#10;&#10;Description automatically generated">
-            <a:extLst>
-              <a:ext uri="{FF2B5EF4-FFF2-40B4-BE49-F238E27FC236}">
-                <a16:creationId xmlns:a16="http://schemas.microsoft.com/office/drawing/2014/main" id="{5E14CF38-EFAC-C88C-B44F-EE0298B2C8C3}"/>
-              </a:ext>
-            </a:extLst>
-          </p:cNvPr>
-          <p:cNvPicPr>
-            <a:picLocks noChangeAspect="1"/>
-          </p:cNvPicPr>
-          <p:nvPr/>
-        </p:nvPicPr>
-        <p:blipFill>
-          <a:blip r:embed="rId2"/>
-          <a:stretch>
-            <a:fillRect/>
-          </a:stretch>
-        </p:blipFill>
-        <p:spPr>
-          <a:xfrm>
-            <a:off x="101245" y="0"/>
-            <a:ext cx="11989510" cy="6858000"/>
-          </a:xfrm>
-          <a:prstGeom prst="rect">
-            <a:avLst/>
-          </a:prstGeom>
-        </p:spPr>
-      </p:pic>
     </p:spTree>
     <p:extLst>
       <p:ext uri="{BB962C8B-B14F-4D97-AF65-F5344CB8AC3E}">
-        <p14:creationId xmlns:p14="http://schemas.microsoft.com/office/powerpoint/2010/main" val="4201216119"/>
+        <p14:creationId xmlns:p14="http://schemas.microsoft.com/office/powerpoint/2010/main" val="1198520751"/>
       </p:ext>
     </p:extLst>
   </p:cSld>
@@ -30018,118 +30731,6 @@
       </p:grpSpPr>
       <p:sp>
         <p:nvSpPr>
-          <p:cNvPr id="7" name="Title 6">
-            <a:extLst>
-              <a:ext uri="{FF2B5EF4-FFF2-40B4-BE49-F238E27FC236}">
-                <a16:creationId xmlns:a16="http://schemas.microsoft.com/office/drawing/2014/main" id="{7875C19A-1AAE-476A-A316-A2CF92D763D3}"/>
-              </a:ext>
-            </a:extLst>
-          </p:cNvPr>
-          <p:cNvSpPr>
-            <a:spLocks noGrp="1"/>
-          </p:cNvSpPr>
-          <p:nvPr>
-            <p:ph type="title"/>
-          </p:nvPr>
-        </p:nvSpPr>
-        <p:spPr/>
-        <p:txBody>
-          <a:bodyPr/>
-          <a:lstStyle/>
-          <a:p>
-            <a:r>
-              <a:rPr lang="en-US" dirty="0"/>
-              <a:t>Dev Containers – What it looks like</a:t>
-            </a:r>
-          </a:p>
-        </p:txBody>
-      </p:sp>
-      <p:sp>
-        <p:nvSpPr>
-          <p:cNvPr id="10" name="Text Placeholder 9">
-            <a:extLst>
-              <a:ext uri="{FF2B5EF4-FFF2-40B4-BE49-F238E27FC236}">
-                <a16:creationId xmlns:a16="http://schemas.microsoft.com/office/drawing/2014/main" id="{EF2BC084-E6DB-4DE7-B309-042A85EBA700}"/>
-              </a:ext>
-            </a:extLst>
-          </p:cNvPr>
-          <p:cNvSpPr>
-            <a:spLocks noGrp="1"/>
-          </p:cNvSpPr>
-          <p:nvPr>
-            <p:ph type="body" sz="quarter" idx="13"/>
-          </p:nvPr>
-        </p:nvSpPr>
-        <p:spPr>
-          <a:xfrm>
-            <a:off x="350981" y="1693718"/>
-            <a:ext cx="9873673" cy="4049669"/>
-          </a:xfrm>
-        </p:spPr>
-        <p:txBody>
-          <a:bodyPr/>
-          <a:lstStyle/>
-          <a:p>
-            <a:r>
-              <a:rPr lang="en-US" sz="2400" dirty="0"/>
-              <a:t>A </a:t>
-            </a:r>
-            <a:r>
-              <a:rPr lang="en-US" sz="2400" dirty="0" err="1"/>
-              <a:t>DevContainer.json</a:t>
-            </a:r>
-            <a:r>
-              <a:rPr lang="en-US" sz="2400" dirty="0"/>
-              <a:t> file that defines:</a:t>
-            </a:r>
-          </a:p>
-          <a:p>
-            <a:pPr lvl="1"/>
-            <a:r>
-              <a:rPr lang="en-US" sz="2200" dirty="0"/>
-              <a:t>The base Docker image and features (or </a:t>
-            </a:r>
-            <a:r>
-              <a:rPr lang="en-US" sz="2200" dirty="0" err="1"/>
-              <a:t>Dockerfile</a:t>
-            </a:r>
-            <a:r>
-              <a:rPr lang="en-US" sz="2200" dirty="0"/>
-              <a:t>) to use</a:t>
-            </a:r>
-          </a:p>
-          <a:p>
-            <a:pPr lvl="1"/>
-            <a:r>
-              <a:rPr lang="en-US" sz="2200" dirty="0"/>
-              <a:t>Additional commands to run when the container is created</a:t>
-            </a:r>
-          </a:p>
-          <a:p>
-            <a:pPr lvl="1"/>
-            <a:r>
-              <a:rPr lang="en-US" sz="2200" dirty="0"/>
-              <a:t>Ports to forward to the container</a:t>
-            </a:r>
-          </a:p>
-          <a:p>
-            <a:pPr lvl="1"/>
-            <a:r>
-              <a:rPr lang="en-US" sz="2200" dirty="0"/>
-              <a:t>VS Code extensions to install</a:t>
-            </a:r>
-          </a:p>
-          <a:p>
-            <a:pPr lvl="1"/>
-            <a:r>
-              <a:rPr lang="en-US" sz="2200" dirty="0"/>
-              <a:t>Default settings (VS Code shell, format on save, etc.)</a:t>
-            </a:r>
-          </a:p>
-        </p:txBody>
-      </p:sp>
-      <p:sp>
-        <p:nvSpPr>
           <p:cNvPr id="2" name="Slide Number Placeholder 1">
             <a:extLst>
               <a:ext uri="{FF2B5EF4-FFF2-40B4-BE49-F238E27FC236}">
@@ -30158,10 +30759,40 @@
           </a:p>
         </p:txBody>
       </p:sp>
+      <p:pic>
+        <p:nvPicPr>
+          <p:cNvPr id="6" name="Picture 5" descr="A diagram of a product&#10;&#10;Description automatically generated">
+            <a:extLst>
+              <a:ext uri="{FF2B5EF4-FFF2-40B4-BE49-F238E27FC236}">
+                <a16:creationId xmlns:a16="http://schemas.microsoft.com/office/drawing/2014/main" id="{5E14CF38-EFAC-C88C-B44F-EE0298B2C8C3}"/>
+              </a:ext>
+            </a:extLst>
+          </p:cNvPr>
+          <p:cNvPicPr>
+            <a:picLocks noChangeAspect="1"/>
+          </p:cNvPicPr>
+          <p:nvPr/>
+        </p:nvPicPr>
+        <p:blipFill>
+          <a:blip r:embed="rId3"/>
+          <a:stretch>
+            <a:fillRect/>
+          </a:stretch>
+        </p:blipFill>
+        <p:spPr>
+          <a:xfrm>
+            <a:off x="101245" y="0"/>
+            <a:ext cx="11989510" cy="6858000"/>
+          </a:xfrm>
+          <a:prstGeom prst="rect">
+            <a:avLst/>
+          </a:prstGeom>
+        </p:spPr>
+      </p:pic>
     </p:spTree>
     <p:extLst>
       <p:ext uri="{BB962C8B-B14F-4D97-AF65-F5344CB8AC3E}">
-        <p14:creationId xmlns:p14="http://schemas.microsoft.com/office/powerpoint/2010/main" val="2333454911"/>
+        <p14:creationId xmlns:p14="http://schemas.microsoft.com/office/powerpoint/2010/main" val="4201216119"/>
       </p:ext>
     </p:extLst>
   </p:cSld>
@@ -30246,20 +30877,68 @@
         </p:nvSpPr>
         <p:spPr>
           <a:xfrm>
-            <a:off x="350981" y="3002973"/>
-            <a:ext cx="9873673" cy="1015354"/>
+            <a:off x="350981" y="1693718"/>
+            <a:ext cx="9873673" cy="4049669"/>
           </a:xfrm>
         </p:spPr>
         <p:txBody>
           <a:bodyPr/>
           <a:lstStyle/>
           <a:p>
-            <a:pPr marL="0" indent="0" algn="ctr">
-              <a:buNone/>
-            </a:pPr>
             <a:r>
-              <a:rPr lang="en-US" sz="6000" dirty="0"/>
-              <a:t>Let’s see some code!</a:t>
+              <a:rPr lang="en-US" sz="2800" dirty="0"/>
+              <a:t>A </a:t>
+            </a:r>
+            <a:r>
+              <a:rPr lang="en-US" sz="2800" dirty="0" err="1"/>
+              <a:t>DevContainer.json</a:t>
+            </a:r>
+            <a:r>
+              <a:rPr lang="en-US" sz="2800" dirty="0"/>
+              <a:t> file that defines:</a:t>
+            </a:r>
+          </a:p>
+          <a:p>
+            <a:pPr lvl="1"/>
+            <a:r>
+              <a:rPr lang="en-US" sz="2400" dirty="0"/>
+              <a:t>The base Docker image and features (or </a:t>
+            </a:r>
+            <a:r>
+              <a:rPr lang="en-US" sz="2400" dirty="0" err="1"/>
+              <a:t>Dockerfile</a:t>
+            </a:r>
+            <a:r>
+              <a:rPr lang="en-US" sz="2400" dirty="0"/>
+              <a:t>) to use</a:t>
+            </a:r>
+          </a:p>
+          <a:p>
+            <a:pPr lvl="1"/>
+            <a:r>
+              <a:rPr lang="en-US" sz="2400" dirty="0"/>
+              <a:t>Additional commands to run when the container is created</a:t>
+            </a:r>
+          </a:p>
+          <a:p>
+            <a:pPr lvl="1"/>
+            <a:r>
+              <a:rPr lang="en-US" sz="2400" dirty="0"/>
+              <a:t>Ports to forward to the container</a:t>
+            </a:r>
+          </a:p>
+          <a:p>
+            <a:pPr lvl="1"/>
+            <a:r>
+              <a:rPr lang="en-US" sz="2400" dirty="0"/>
+              <a:t>VS Code extensions to install</a:t>
+            </a:r>
+          </a:p>
+          <a:p>
+            <a:pPr lvl="1"/>
+            <a:r>
+              <a:rPr lang="en-US" sz="2400" dirty="0"/>
+              <a:t>Default settings (VS Code shell, format on save, etc.)</a:t>
             </a:r>
           </a:p>
         </p:txBody>
@@ -30294,57 +30973,10 @@
           </a:p>
         </p:txBody>
       </p:sp>
-      <p:sp>
-        <p:nvSpPr>
-          <p:cNvPr id="3" name="TextBox 2">
-            <a:extLst>
-              <a:ext uri="{FF2B5EF4-FFF2-40B4-BE49-F238E27FC236}">
-                <a16:creationId xmlns:a16="http://schemas.microsoft.com/office/drawing/2014/main" id="{77C99677-1F90-F31F-E192-7A9664022275}"/>
-              </a:ext>
-            </a:extLst>
-          </p:cNvPr>
-          <p:cNvSpPr txBox="1"/>
-          <p:nvPr/>
-        </p:nvSpPr>
-        <p:spPr>
-          <a:xfrm>
-            <a:off x="279092" y="5712011"/>
-            <a:ext cx="4307589" cy="461665"/>
-          </a:xfrm>
-          <a:prstGeom prst="rect">
-            <a:avLst/>
-          </a:prstGeom>
-          <a:noFill/>
-        </p:spPr>
-        <p:txBody>
-          <a:bodyPr wrap="none" rtlCol="0">
-            <a:spAutoFit/>
-          </a:bodyPr>
-          <a:lstStyle/>
-          <a:p>
-            <a:r>
-              <a:rPr lang="en-US" sz="2400" dirty="0">
-                <a:solidFill>
-                  <a:srgbClr val="00B0F0"/>
-                </a:solidFill>
-                <a:hlinkClick r:id="rId3">
-                  <a:extLst>
-                    <a:ext uri="{A12FA001-AC4F-418D-AE19-62706E023703}">
-                      <ahyp:hlinkClr xmlns:ahyp="http://schemas.microsoft.com/office/drawing/2018/hyperlinkcolor" val="tx"/>
-                    </a:ext>
-                  </a:extLst>
-                </a:hlinkClick>
-              </a:rPr>
-              <a:t>https://containers.dev/features</a:t>
-            </a:r>
-            <a:endParaRPr lang="en-US" sz="2400" dirty="0"/>
-          </a:p>
-        </p:txBody>
-      </p:sp>
     </p:spTree>
     <p:extLst>
       <p:ext uri="{BB962C8B-B14F-4D97-AF65-F5344CB8AC3E}">
-        <p14:creationId xmlns:p14="http://schemas.microsoft.com/office/powerpoint/2010/main" val="956986996"/>
+        <p14:creationId xmlns:p14="http://schemas.microsoft.com/office/powerpoint/2010/main" val="2333454911"/>
       </p:ext>
     </p:extLst>
   </p:cSld>
@@ -30406,6 +31038,189 @@
           <a:p>
             <a:r>
               <a:rPr lang="en-US" dirty="0"/>
+              <a:t>Dev Containers – What it looks like</a:t>
+            </a:r>
+          </a:p>
+        </p:txBody>
+      </p:sp>
+      <p:sp>
+        <p:nvSpPr>
+          <p:cNvPr id="10" name="Text Placeholder 9">
+            <a:extLst>
+              <a:ext uri="{FF2B5EF4-FFF2-40B4-BE49-F238E27FC236}">
+                <a16:creationId xmlns:a16="http://schemas.microsoft.com/office/drawing/2014/main" id="{EF2BC084-E6DB-4DE7-B309-042A85EBA700}"/>
+              </a:ext>
+            </a:extLst>
+          </p:cNvPr>
+          <p:cNvSpPr>
+            <a:spLocks noGrp="1"/>
+          </p:cNvSpPr>
+          <p:nvPr>
+            <p:ph type="body" sz="quarter" idx="13"/>
+          </p:nvPr>
+        </p:nvSpPr>
+        <p:spPr>
+          <a:xfrm>
+            <a:off x="350981" y="3002973"/>
+            <a:ext cx="9873673" cy="1015354"/>
+          </a:xfrm>
+        </p:spPr>
+        <p:txBody>
+          <a:bodyPr/>
+          <a:lstStyle/>
+          <a:p>
+            <a:pPr marL="0" indent="0" algn="ctr">
+              <a:buNone/>
+            </a:pPr>
+            <a:r>
+              <a:rPr lang="en-US" sz="6000" dirty="0"/>
+              <a:t>Let’s see some code!</a:t>
+            </a:r>
+          </a:p>
+        </p:txBody>
+      </p:sp>
+      <p:sp>
+        <p:nvSpPr>
+          <p:cNvPr id="2" name="Slide Number Placeholder 1">
+            <a:extLst>
+              <a:ext uri="{FF2B5EF4-FFF2-40B4-BE49-F238E27FC236}">
+                <a16:creationId xmlns:a16="http://schemas.microsoft.com/office/drawing/2014/main" id="{BE9800F6-D571-48C4-8466-12AA1ADB6599}"/>
+              </a:ext>
+            </a:extLst>
+          </p:cNvPr>
+          <p:cNvSpPr>
+            <a:spLocks noGrp="1"/>
+          </p:cNvSpPr>
+          <p:nvPr>
+            <p:ph type="sldNum" sz="quarter" idx="12"/>
+          </p:nvPr>
+        </p:nvSpPr>
+        <p:spPr/>
+        <p:txBody>
+          <a:bodyPr/>
+          <a:lstStyle/>
+          <a:p>
+            <a:fld id="{C263D6C4-4840-40CC-AC84-17E24B3B7BDE}" type="slidenum">
+              <a:rPr lang="en-US" smtClean="0"/>
+              <a:pPr/>
+              <a:t>8</a:t>
+            </a:fld>
+            <a:endParaRPr lang="en-US" dirty="0"/>
+          </a:p>
+        </p:txBody>
+      </p:sp>
+      <p:sp>
+        <p:nvSpPr>
+          <p:cNvPr id="3" name="TextBox 2">
+            <a:extLst>
+              <a:ext uri="{FF2B5EF4-FFF2-40B4-BE49-F238E27FC236}">
+                <a16:creationId xmlns:a16="http://schemas.microsoft.com/office/drawing/2014/main" id="{77C99677-1F90-F31F-E192-7A9664022275}"/>
+              </a:ext>
+            </a:extLst>
+          </p:cNvPr>
+          <p:cNvSpPr txBox="1"/>
+          <p:nvPr/>
+        </p:nvSpPr>
+        <p:spPr>
+          <a:xfrm>
+            <a:off x="279092" y="5712011"/>
+            <a:ext cx="5001690" cy="523220"/>
+          </a:xfrm>
+          <a:prstGeom prst="rect">
+            <a:avLst/>
+          </a:prstGeom>
+          <a:noFill/>
+        </p:spPr>
+        <p:txBody>
+          <a:bodyPr wrap="none" rtlCol="0">
+            <a:spAutoFit/>
+          </a:bodyPr>
+          <a:lstStyle/>
+          <a:p>
+            <a:r>
+              <a:rPr lang="en-US" sz="2800" dirty="0">
+                <a:solidFill>
+                  <a:srgbClr val="00B0F0"/>
+                </a:solidFill>
+                <a:hlinkClick r:id="rId3">
+                  <a:extLst>
+                    <a:ext uri="{A12FA001-AC4F-418D-AE19-62706E023703}">
+                      <ahyp:hlinkClr xmlns:ahyp="http://schemas.microsoft.com/office/drawing/2018/hyperlinkcolor" val="tx"/>
+                    </a:ext>
+                  </a:extLst>
+                </a:hlinkClick>
+              </a:rPr>
+              <a:t>https://containers.dev/features</a:t>
+            </a:r>
+            <a:endParaRPr lang="en-US" sz="2800" dirty="0"/>
+          </a:p>
+        </p:txBody>
+      </p:sp>
+    </p:spTree>
+    <p:extLst>
+      <p:ext uri="{BB962C8B-B14F-4D97-AF65-F5344CB8AC3E}">
+        <p14:creationId xmlns:p14="http://schemas.microsoft.com/office/powerpoint/2010/main" val="956986996"/>
+      </p:ext>
+    </p:extLst>
+  </p:cSld>
+  <p:clrMapOvr>
+    <a:masterClrMapping/>
+  </p:clrMapOvr>
+  <mc:AlternateContent xmlns:mc="http://schemas.openxmlformats.org/markup-compatibility/2006" xmlns:p14="http://schemas.microsoft.com/office/powerpoint/2010/main">
+    <mc:Choice Requires="p14">
+      <p:transition spd="med" p14:dur="700">
+        <p:fade/>
+      </p:transition>
+    </mc:Choice>
+    <mc:Fallback xmlns="">
+      <p:transition spd="med">
+        <p:fade/>
+      </p:transition>
+    </mc:Fallback>
+  </mc:AlternateContent>
+</p:sld>
+</file>
+
+<file path=ppt/slides/slide9.xml><?xml version="1.0" encoding="utf-8"?>
+<p:sld xmlns:a="http://schemas.openxmlformats.org/drawingml/2006/main" xmlns:r="http://schemas.openxmlformats.org/officeDocument/2006/relationships" xmlns:p="http://schemas.openxmlformats.org/presentationml/2006/main">
+  <p:cSld>
+    <p:spTree>
+      <p:nvGrpSpPr>
+        <p:cNvPr id="1" name=""/>
+        <p:cNvGrpSpPr/>
+        <p:nvPr/>
+      </p:nvGrpSpPr>
+      <p:grpSpPr>
+        <a:xfrm>
+          <a:off x="0" y="0"/>
+          <a:ext cx="0" cy="0"/>
+          <a:chOff x="0" y="0"/>
+          <a:chExt cx="0" cy="0"/>
+        </a:xfrm>
+      </p:grpSpPr>
+      <p:sp>
+        <p:nvSpPr>
+          <p:cNvPr id="7" name="Title 6">
+            <a:extLst>
+              <a:ext uri="{FF2B5EF4-FFF2-40B4-BE49-F238E27FC236}">
+                <a16:creationId xmlns:a16="http://schemas.microsoft.com/office/drawing/2014/main" id="{7875C19A-1AAE-476A-A316-A2CF92D763D3}"/>
+              </a:ext>
+            </a:extLst>
+          </p:cNvPr>
+          <p:cNvSpPr>
+            <a:spLocks noGrp="1"/>
+          </p:cNvSpPr>
+          <p:nvPr>
+            <p:ph type="title"/>
+          </p:nvPr>
+        </p:nvSpPr>
+        <p:spPr/>
+        <p:txBody>
+          <a:bodyPr/>
+          <a:lstStyle/>
+          <a:p>
+            <a:r>
+              <a:rPr lang="en-US" dirty="0"/>
               <a:t>Dev Containers – Why use them</a:t>
             </a:r>
           </a:p>
@@ -30438,47 +31253,47 @@
           <a:lstStyle/>
           <a:p>
             <a:r>
-              <a:rPr lang="en-US" sz="2400" dirty="0"/>
+              <a:rPr lang="en-US" sz="2800" dirty="0"/>
               <a:t>Lightweight (aside from Docker image)</a:t>
             </a:r>
           </a:p>
           <a:p>
             <a:r>
-              <a:rPr lang="en-US" sz="2400" dirty="0"/>
+              <a:rPr lang="en-US" sz="2800" dirty="0"/>
               <a:t>Consistency (same dev experience for everyone)</a:t>
             </a:r>
           </a:p>
           <a:p>
             <a:r>
-              <a:rPr lang="en-US" sz="2400" dirty="0"/>
+              <a:rPr lang="en-US" sz="2800" dirty="0"/>
               <a:t>Reproducibility</a:t>
             </a:r>
           </a:p>
           <a:p>
             <a:r>
-              <a:rPr lang="en-US" sz="2400" dirty="0"/>
+              <a:rPr lang="en-US" sz="2800" dirty="0"/>
               <a:t>Portability</a:t>
             </a:r>
           </a:p>
           <a:p>
             <a:r>
-              <a:rPr lang="en-US" sz="2400" dirty="0"/>
+              <a:rPr lang="en-US" sz="2800" dirty="0"/>
               <a:t>Stored in source control</a:t>
             </a:r>
           </a:p>
           <a:p>
-            <a:endParaRPr lang="en-US" sz="2400" dirty="0"/>
-          </a:p>
-          <a:p>
+            <a:endParaRPr lang="en-US" sz="2800" dirty="0"/>
+          </a:p>
+          <a:p>
+            <a:r>
+              <a:rPr lang="en-US" sz="2800" dirty="0"/>
+              <a:t>Pre-configured, isolated build environments</a:t>
+            </a:r>
+          </a:p>
+          <a:p>
+            <a:pPr lvl="1"/>
             <a:r>
               <a:rPr lang="en-US" sz="2400" dirty="0"/>
-              <a:t>Pre-configured, isolated build environments</a:t>
-            </a:r>
-          </a:p>
-          <a:p>
-            <a:pPr lvl="1"/>
-            <a:r>
-              <a:rPr lang="en-US" sz="2200" dirty="0"/>
               <a:t>Reproducible builds, less setup time</a:t>
             </a:r>
             <a:r>
@@ -30516,7 +31331,7 @@
             <a:fld id="{C263D6C4-4840-40CC-AC84-17E24B3B7BDE}" type="slidenum">
               <a:rPr lang="en-US" smtClean="0"/>
               <a:pPr/>
-              <a:t>8</a:t>
+              <a:t>9</a:t>
             </a:fld>
             <a:endParaRPr lang="en-US" dirty="0"/>
           </a:p>
@@ -30544,7 +31359,7 @@
         </p:blipFill>
         <p:spPr>
           <a:xfrm>
-            <a:off x="7884948" y="542925"/>
+            <a:off x="8869776" y="1506760"/>
             <a:ext cx="2585624" cy="2495127"/>
           </a:xfrm>
           <a:prstGeom prst="rect">
@@ -31051,245 +31866,6 @@
       <p:bldP spid="10" grpId="0" uiExpand="1" build="p"/>
     </p:bldLst>
   </p:timing>
-</p:sld>
-</file>
-
-<file path=ppt/slides/slide9.xml><?xml version="1.0" encoding="utf-8"?>
-<p:sld xmlns:a="http://schemas.openxmlformats.org/drawingml/2006/main" xmlns:r="http://schemas.openxmlformats.org/officeDocument/2006/relationships" xmlns:p="http://schemas.openxmlformats.org/presentationml/2006/main">
-  <p:cSld>
-    <p:spTree>
-      <p:nvGrpSpPr>
-        <p:cNvPr id="1" name=""/>
-        <p:cNvGrpSpPr/>
-        <p:nvPr/>
-      </p:nvGrpSpPr>
-      <p:grpSpPr>
-        <a:xfrm>
-          <a:off x="0" y="0"/>
-          <a:ext cx="0" cy="0"/>
-          <a:chOff x="0" y="0"/>
-          <a:chExt cx="0" cy="0"/>
-        </a:xfrm>
-      </p:grpSpPr>
-      <p:sp>
-        <p:nvSpPr>
-          <p:cNvPr id="7" name="Title 6">
-            <a:extLst>
-              <a:ext uri="{FF2B5EF4-FFF2-40B4-BE49-F238E27FC236}">
-                <a16:creationId xmlns:a16="http://schemas.microsoft.com/office/drawing/2014/main" id="{7875C19A-1AAE-476A-A316-A2CF92D763D3}"/>
-              </a:ext>
-            </a:extLst>
-          </p:cNvPr>
-          <p:cNvSpPr>
-            <a:spLocks noGrp="1"/>
-          </p:cNvSpPr>
-          <p:nvPr>
-            <p:ph type="title"/>
-          </p:nvPr>
-        </p:nvSpPr>
-        <p:spPr/>
-        <p:txBody>
-          <a:bodyPr/>
-          <a:lstStyle/>
-          <a:p>
-            <a:r>
-              <a:rPr lang="en-US" dirty="0"/>
-              <a:t>Dev Containers – Prerequisites</a:t>
-            </a:r>
-          </a:p>
-        </p:txBody>
-      </p:sp>
-      <p:sp>
-        <p:nvSpPr>
-          <p:cNvPr id="10" name="Text Placeholder 9">
-            <a:extLst>
-              <a:ext uri="{FF2B5EF4-FFF2-40B4-BE49-F238E27FC236}">
-                <a16:creationId xmlns:a16="http://schemas.microsoft.com/office/drawing/2014/main" id="{EF2BC084-E6DB-4DE7-B309-042A85EBA700}"/>
-              </a:ext>
-            </a:extLst>
-          </p:cNvPr>
-          <p:cNvSpPr>
-            <a:spLocks noGrp="1"/>
-          </p:cNvSpPr>
-          <p:nvPr>
-            <p:ph type="body" sz="quarter" idx="13"/>
-          </p:nvPr>
-        </p:nvSpPr>
-        <p:spPr>
-          <a:xfrm>
-            <a:off x="444499" y="1625385"/>
-            <a:ext cx="9873673" cy="4954709"/>
-          </a:xfrm>
-        </p:spPr>
-        <p:txBody>
-          <a:bodyPr/>
-          <a:lstStyle/>
-          <a:p>
-            <a:r>
-              <a:rPr lang="en-US" sz="2400" dirty="0"/>
-              <a:t>Docker (Docker Desktop for Windows)</a:t>
-            </a:r>
-          </a:p>
-          <a:p>
-            <a:endParaRPr lang="en-US" sz="2400" dirty="0"/>
-          </a:p>
-          <a:p>
-            <a:r>
-              <a:rPr lang="en-US" sz="2400" dirty="0"/>
-              <a:t>Editor - Visual Studio Code (IntelliJ IDEA, JetBrains WebStorm)</a:t>
-            </a:r>
-          </a:p>
-          <a:p>
-            <a:pPr lvl="1"/>
-            <a:r>
-              <a:rPr lang="en-US" sz="2200" dirty="0"/>
-              <a:t>Dev Containers VS Code extension</a:t>
-            </a:r>
-          </a:p>
-          <a:p>
-            <a:pPr lvl="2"/>
-            <a:r>
-              <a:rPr lang="en-US" sz="2000" dirty="0"/>
-              <a:t>Or Remote Development extension pack</a:t>
-            </a:r>
-            <a:endParaRPr lang="en-US" sz="2200" dirty="0"/>
-          </a:p>
-          <a:p>
-            <a:pPr marL="0" indent="0">
-              <a:buNone/>
-            </a:pPr>
-            <a:r>
-              <a:rPr lang="en-US" sz="2400" dirty="0"/>
-              <a:t>OR</a:t>
-            </a:r>
-            <a:endParaRPr lang="en-US" sz="2200" dirty="0"/>
-          </a:p>
-          <a:p>
-            <a:r>
-              <a:rPr lang="en-US" sz="2400" dirty="0" err="1"/>
-              <a:t>DevContainers</a:t>
-            </a:r>
-            <a:r>
-              <a:rPr lang="en-US" sz="2400" dirty="0"/>
-              <a:t> CLI</a:t>
-            </a:r>
-          </a:p>
-          <a:p>
-            <a:pPr lvl="1"/>
-            <a:r>
-              <a:rPr lang="en-US" sz="2200" dirty="0">
-                <a:solidFill>
-                  <a:srgbClr val="00B0F0"/>
-                </a:solidFill>
-                <a:hlinkClick r:id="rId2">
-                  <a:extLst>
-                    <a:ext uri="{A12FA001-AC4F-418D-AE19-62706E023703}">
-                      <ahyp:hlinkClr xmlns:ahyp="http://schemas.microsoft.com/office/drawing/2018/hyperlinkcolor" val="tx"/>
-                    </a:ext>
-                  </a:extLst>
-                </a:hlinkClick>
-              </a:rPr>
-              <a:t>https://github.com/devcontainers/cli</a:t>
-            </a:r>
-            <a:r>
-              <a:rPr lang="en-US" sz="2200" dirty="0">
-                <a:solidFill>
-                  <a:srgbClr val="00B0F0"/>
-                </a:solidFill>
-              </a:rPr>
-              <a:t> </a:t>
-            </a:r>
-          </a:p>
-          <a:p>
-            <a:pPr lvl="1"/>
-            <a:endParaRPr lang="en-US" sz="2200" dirty="0">
-              <a:solidFill>
-                <a:srgbClr val="00B0F0"/>
-              </a:solidFill>
-            </a:endParaRPr>
-          </a:p>
-          <a:p>
-            <a:pPr marL="0" indent="0">
-              <a:buNone/>
-            </a:pPr>
-            <a:r>
-              <a:rPr lang="en-US" sz="2400" dirty="0"/>
-              <a:t>Supported editors and tools: </a:t>
-            </a:r>
-            <a:r>
-              <a:rPr lang="en-US" sz="2400" dirty="0">
-                <a:solidFill>
-                  <a:srgbClr val="00B0F0"/>
-                </a:solidFill>
-                <a:hlinkClick r:id="rId3">
-                  <a:extLst>
-                    <a:ext uri="{A12FA001-AC4F-418D-AE19-62706E023703}">
-                      <ahyp:hlinkClr xmlns:ahyp="http://schemas.microsoft.com/office/drawing/2018/hyperlinkcolor" val="tx"/>
-                    </a:ext>
-                  </a:extLst>
-                </a:hlinkClick>
-              </a:rPr>
-              <a:t>https://containers.dev/supporting</a:t>
-            </a:r>
-            <a:r>
-              <a:rPr lang="en-US" sz="2400" dirty="0"/>
-              <a:t> </a:t>
-            </a:r>
-          </a:p>
-        </p:txBody>
-      </p:sp>
-      <p:sp>
-        <p:nvSpPr>
-          <p:cNvPr id="2" name="Slide Number Placeholder 1">
-            <a:extLst>
-              <a:ext uri="{FF2B5EF4-FFF2-40B4-BE49-F238E27FC236}">
-                <a16:creationId xmlns:a16="http://schemas.microsoft.com/office/drawing/2014/main" id="{BE9800F6-D571-48C4-8466-12AA1ADB6599}"/>
-              </a:ext>
-            </a:extLst>
-          </p:cNvPr>
-          <p:cNvSpPr>
-            <a:spLocks noGrp="1"/>
-          </p:cNvSpPr>
-          <p:nvPr>
-            <p:ph type="sldNum" sz="quarter" idx="12"/>
-          </p:nvPr>
-        </p:nvSpPr>
-        <p:spPr/>
-        <p:txBody>
-          <a:bodyPr/>
-          <a:lstStyle/>
-          <a:p>
-            <a:fld id="{C263D6C4-4840-40CC-AC84-17E24B3B7BDE}" type="slidenum">
-              <a:rPr lang="en-US" smtClean="0"/>
-              <a:pPr/>
-              <a:t>9</a:t>
-            </a:fld>
-            <a:endParaRPr lang="en-US" dirty="0"/>
-          </a:p>
-        </p:txBody>
-      </p:sp>
-    </p:spTree>
-    <p:extLst>
-      <p:ext uri="{BB962C8B-B14F-4D97-AF65-F5344CB8AC3E}">
-        <p14:creationId xmlns:p14="http://schemas.microsoft.com/office/powerpoint/2010/main" val="2483605879"/>
-      </p:ext>
-    </p:extLst>
-  </p:cSld>
-  <p:clrMapOvr>
-    <a:masterClrMapping/>
-  </p:clrMapOvr>
-  <mc:AlternateContent xmlns:mc="http://schemas.openxmlformats.org/markup-compatibility/2006" xmlns:p14="http://schemas.microsoft.com/office/powerpoint/2010/main">
-    <mc:Choice Requires="p14">
-      <p:transition spd="med" p14:dur="700">
-        <p:fade/>
-      </p:transition>
-    </mc:Choice>
-    <mc:Fallback xmlns="">
-      <p:transition spd="med">
-        <p:fade/>
-      </p:transition>
-    </mc:Fallback>
-  </mc:AlternateContent>
 </p:sld>
 </file>
 
